--- a/slides/lec21_security.pptx
+++ b/slides/lec21_security.pptx
@@ -258,7 +258,7 @@
           <a:p>
             <a:fld id="{26C21ED3-A5B8-0F43-BEC8-3BB1C1D7A737}" type="datetimeFigureOut">
               <a:rPr lang="en-US" smtClean="0"/>
-              <a:t>4/30/18</a:t>
+              <a:t>5/1/18</a:t>
             </a:fld>
             <a:endParaRPr lang="en-US"/>
           </a:p>
@@ -658,14 +658,14 @@
           <a:ln/>
           <a:extLst>
             <a:ext uri="{909E8E84-426E-40dd-AFC4-6F175D3DCCD1}">
-              <a14:hiddenFill xmlns:a14="http://schemas.microsoft.com/office/drawing/2010/main" xmlns="">
+              <a14:hiddenFill xmlns="" xmlns:a14="http://schemas.microsoft.com/office/drawing/2010/main">
                 <a:solidFill>
                   <a:srgbClr val="FFFFFF"/>
                 </a:solidFill>
               </a14:hiddenFill>
             </a:ext>
             <a:ext uri="{91240B29-F687-4f45-9708-019B960494DF}">
-              <a14:hiddenLine xmlns:a14="http://schemas.microsoft.com/office/drawing/2010/main" xmlns="" w="9525">
+              <a14:hiddenLine xmlns="" xmlns:a14="http://schemas.microsoft.com/office/drawing/2010/main" w="9525">
                 <a:solidFill>
                   <a:srgbClr val="000000"/>
                 </a:solidFill>
@@ -899,14 +899,14 @@
           <a:ln/>
           <a:extLst>
             <a:ext uri="{909E8E84-426E-40dd-AFC4-6F175D3DCCD1}">
-              <a14:hiddenFill xmlns:a14="http://schemas.microsoft.com/office/drawing/2010/main" xmlns="">
+              <a14:hiddenFill xmlns="" xmlns:a14="http://schemas.microsoft.com/office/drawing/2010/main">
                 <a:solidFill>
                   <a:srgbClr val="FFFFFF"/>
                 </a:solidFill>
               </a14:hiddenFill>
             </a:ext>
             <a:ext uri="{91240B29-F687-4f45-9708-019B960494DF}">
-              <a14:hiddenLine xmlns:a14="http://schemas.microsoft.com/office/drawing/2010/main" xmlns="" w="9525">
+              <a14:hiddenLine xmlns="" xmlns:a14="http://schemas.microsoft.com/office/drawing/2010/main" w="9525">
                 <a:solidFill>
                   <a:srgbClr val="000000"/>
                 </a:solidFill>
@@ -1140,14 +1140,14 @@
           <a:ln/>
           <a:extLst>
             <a:ext uri="{909E8E84-426E-40dd-AFC4-6F175D3DCCD1}">
-              <a14:hiddenFill xmlns:a14="http://schemas.microsoft.com/office/drawing/2010/main" xmlns="">
+              <a14:hiddenFill xmlns="" xmlns:a14="http://schemas.microsoft.com/office/drawing/2010/main">
                 <a:solidFill>
                   <a:srgbClr val="FFFFFF"/>
                 </a:solidFill>
               </a14:hiddenFill>
             </a:ext>
             <a:ext uri="{91240B29-F687-4f45-9708-019B960494DF}">
-              <a14:hiddenLine xmlns:a14="http://schemas.microsoft.com/office/drawing/2010/main" xmlns="" w="9525">
+              <a14:hiddenLine xmlns="" xmlns:a14="http://schemas.microsoft.com/office/drawing/2010/main" w="9525">
                 <a:solidFill>
                   <a:srgbClr val="000000"/>
                 </a:solidFill>
@@ -1381,14 +1381,14 @@
           <a:ln/>
           <a:extLst>
             <a:ext uri="{909E8E84-426E-40dd-AFC4-6F175D3DCCD1}">
-              <a14:hiddenFill xmlns:a14="http://schemas.microsoft.com/office/drawing/2010/main" xmlns="">
+              <a14:hiddenFill xmlns="" xmlns:a14="http://schemas.microsoft.com/office/drawing/2010/main">
                 <a:solidFill>
                   <a:srgbClr val="FFFFFF"/>
                 </a:solidFill>
               </a14:hiddenFill>
             </a:ext>
             <a:ext uri="{91240B29-F687-4f45-9708-019B960494DF}">
-              <a14:hiddenLine xmlns:a14="http://schemas.microsoft.com/office/drawing/2010/main" xmlns="" w="9525">
+              <a14:hiddenLine xmlns="" xmlns:a14="http://schemas.microsoft.com/office/drawing/2010/main" w="9525">
                 <a:solidFill>
                   <a:srgbClr val="000000"/>
                 </a:solidFill>
@@ -1564,14 +1564,14 @@
               <ma14:placeholderFlag xmlns:ma14="http://schemas.microsoft.com/office/mac/drawingml/2011/main" val="1"/>
             </a:ext>
             <a:ext uri="{909E8E84-426E-40dd-AFC4-6F175D3DCCD1}">
-              <a14:hiddenFill xmlns:a14="http://schemas.microsoft.com/office/drawing/2010/main" xmlns="">
+              <a14:hiddenFill xmlns="" xmlns:a14="http://schemas.microsoft.com/office/drawing/2010/main">
                 <a:solidFill>
                   <a:srgbClr val="FFFFFF"/>
                 </a:solidFill>
               </a14:hiddenFill>
             </a:ext>
             <a:ext uri="{91240B29-F687-4f45-9708-019B960494DF}">
-              <a14:hiddenLine xmlns:a14="http://schemas.microsoft.com/office/drawing/2010/main" xmlns="" w="9525">
+              <a14:hiddenLine xmlns="" xmlns:a14="http://schemas.microsoft.com/office/drawing/2010/main" w="9525">
                 <a:solidFill>
                   <a:srgbClr val="000000"/>
                 </a:solidFill>
@@ -1723,14 +1723,14 @@
           <a:ln/>
           <a:extLst>
             <a:ext uri="{909E8E84-426E-40dd-AFC4-6F175D3DCCD1}">
-              <a14:hiddenFill xmlns="" xmlns:a14="http://schemas.microsoft.com/office/drawing/2010/main">
+              <a14:hiddenFill xmlns:a14="http://schemas.microsoft.com/office/drawing/2010/main" xmlns="">
                 <a:solidFill>
                   <a:srgbClr val="FFFFFF"/>
                 </a:solidFill>
               </a14:hiddenFill>
             </a:ext>
             <a:ext uri="{91240B29-F687-4f45-9708-019B960494DF}">
-              <a14:hiddenLine xmlns="" xmlns:a14="http://schemas.microsoft.com/office/drawing/2010/main" w="9525">
+              <a14:hiddenLine xmlns:a14="http://schemas.microsoft.com/office/drawing/2010/main" xmlns="" w="9525">
                 <a:solidFill>
                   <a:srgbClr val="000000"/>
                 </a:solidFill>
@@ -1972,14 +1972,14 @@
           <a:ln/>
           <a:extLst>
             <a:ext uri="{909E8E84-426E-40dd-AFC4-6F175D3DCCD1}">
-              <a14:hiddenFill xmlns="" xmlns:a14="http://schemas.microsoft.com/office/drawing/2010/main">
+              <a14:hiddenFill xmlns:a14="http://schemas.microsoft.com/office/drawing/2010/main" xmlns="">
                 <a:solidFill>
                   <a:srgbClr val="FFFFFF"/>
                 </a:solidFill>
               </a14:hiddenFill>
             </a:ext>
             <a:ext uri="{91240B29-F687-4f45-9708-019B960494DF}">
-              <a14:hiddenLine xmlns="" xmlns:a14="http://schemas.microsoft.com/office/drawing/2010/main" w="9525">
+              <a14:hiddenLine xmlns:a14="http://schemas.microsoft.com/office/drawing/2010/main" xmlns="" w="9525">
                 <a:solidFill>
                   <a:srgbClr val="000000"/>
                 </a:solidFill>
@@ -2221,14 +2221,14 @@
           <a:ln/>
           <a:extLst>
             <a:ext uri="{909E8E84-426E-40dd-AFC4-6F175D3DCCD1}">
-              <a14:hiddenFill xmlns:a14="http://schemas.microsoft.com/office/drawing/2010/main" xmlns="">
+              <a14:hiddenFill xmlns="" xmlns:a14="http://schemas.microsoft.com/office/drawing/2010/main">
                 <a:solidFill>
                   <a:srgbClr val="FFFFFF"/>
                 </a:solidFill>
               </a14:hiddenFill>
             </a:ext>
             <a:ext uri="{91240B29-F687-4f45-9708-019B960494DF}">
-              <a14:hiddenLine xmlns:a14="http://schemas.microsoft.com/office/drawing/2010/main" xmlns="" w="9525">
+              <a14:hiddenLine xmlns="" xmlns:a14="http://schemas.microsoft.com/office/drawing/2010/main" w="9525">
                 <a:solidFill>
                   <a:srgbClr val="000000"/>
                 </a:solidFill>
@@ -2476,14 +2476,14 @@
           <a:ln/>
           <a:extLst>
             <a:ext uri="{909E8E84-426E-40dd-AFC4-6F175D3DCCD1}">
-              <a14:hiddenFill xmlns:a14="http://schemas.microsoft.com/office/drawing/2010/main" xmlns="">
+              <a14:hiddenFill xmlns="" xmlns:a14="http://schemas.microsoft.com/office/drawing/2010/main">
                 <a:solidFill>
                   <a:srgbClr val="FFFFFF"/>
                 </a:solidFill>
               </a14:hiddenFill>
             </a:ext>
             <a:ext uri="{91240B29-F687-4f45-9708-019B960494DF}">
-              <a14:hiddenLine xmlns:a14="http://schemas.microsoft.com/office/drawing/2010/main" xmlns="" w="9525">
+              <a14:hiddenLine xmlns="" xmlns:a14="http://schemas.microsoft.com/office/drawing/2010/main" w="9525">
                 <a:solidFill>
                   <a:srgbClr val="000000"/>
                 </a:solidFill>
@@ -2717,14 +2717,14 @@
           <a:ln/>
           <a:extLst>
             <a:ext uri="{909E8E84-426E-40dd-AFC4-6F175D3DCCD1}">
-              <a14:hiddenFill xmlns:a14="http://schemas.microsoft.com/office/drawing/2010/main" xmlns="">
+              <a14:hiddenFill xmlns="" xmlns:a14="http://schemas.microsoft.com/office/drawing/2010/main">
                 <a:solidFill>
                   <a:srgbClr val="FFFFFF"/>
                 </a:solidFill>
               </a14:hiddenFill>
             </a:ext>
             <a:ext uri="{91240B29-F687-4f45-9708-019B960494DF}">
-              <a14:hiddenLine xmlns:a14="http://schemas.microsoft.com/office/drawing/2010/main" xmlns="" w="9525">
+              <a14:hiddenLine xmlns="" xmlns:a14="http://schemas.microsoft.com/office/drawing/2010/main" w="9525">
                 <a:solidFill>
                   <a:srgbClr val="000000"/>
                 </a:solidFill>
@@ -2958,14 +2958,14 @@
           <a:ln/>
           <a:extLst>
             <a:ext uri="{909E8E84-426E-40dd-AFC4-6F175D3DCCD1}">
-              <a14:hiddenFill xmlns:a14="http://schemas.microsoft.com/office/drawing/2010/main" xmlns="">
+              <a14:hiddenFill xmlns="" xmlns:a14="http://schemas.microsoft.com/office/drawing/2010/main">
                 <a:solidFill>
                   <a:srgbClr val="FFFFFF"/>
                 </a:solidFill>
               </a14:hiddenFill>
             </a:ext>
             <a:ext uri="{91240B29-F687-4f45-9708-019B960494DF}">
-              <a14:hiddenLine xmlns:a14="http://schemas.microsoft.com/office/drawing/2010/main" xmlns="" w="9525">
+              <a14:hiddenLine xmlns="" xmlns:a14="http://schemas.microsoft.com/office/drawing/2010/main" w="9525">
                 <a:solidFill>
                   <a:srgbClr val="000000"/>
                 </a:solidFill>
@@ -3199,14 +3199,14 @@
           <a:ln/>
           <a:extLst>
             <a:ext uri="{909E8E84-426E-40dd-AFC4-6F175D3DCCD1}">
-              <a14:hiddenFill xmlns:a14="http://schemas.microsoft.com/office/drawing/2010/main" xmlns="">
+              <a14:hiddenFill xmlns="" xmlns:a14="http://schemas.microsoft.com/office/drawing/2010/main">
                 <a:solidFill>
                   <a:srgbClr val="FFFFFF"/>
                 </a:solidFill>
               </a14:hiddenFill>
             </a:ext>
             <a:ext uri="{91240B29-F687-4f45-9708-019B960494DF}">
-              <a14:hiddenLine xmlns:a14="http://schemas.microsoft.com/office/drawing/2010/main" xmlns="" w="9525">
+              <a14:hiddenLine xmlns="" xmlns:a14="http://schemas.microsoft.com/office/drawing/2010/main" w="9525">
                 <a:solidFill>
                   <a:srgbClr val="000000"/>
                 </a:solidFill>
@@ -3539,7 +3539,7 @@
           <a:p>
             <a:fld id="{ECF56177-CEF1-0141-836F-3867E7E9C1D8}" type="datetime1">
               <a:rPr lang="en-US" smtClean="0"/>
-              <a:t>4/30/18</a:t>
+              <a:t>5/1/18</a:t>
             </a:fld>
             <a:endParaRPr lang="en-US"/>
           </a:p>
@@ -3709,7 +3709,7 @@
           <a:p>
             <a:fld id="{4CDC8FB9-92E9-4C40-A76A-6D1CDAB665BB}" type="datetime1">
               <a:rPr lang="en-US" smtClean="0"/>
-              <a:t>4/30/18</a:t>
+              <a:t>5/1/18</a:t>
             </a:fld>
             <a:endParaRPr lang="en-US"/>
           </a:p>
@@ -3889,7 +3889,7 @@
           <a:p>
             <a:fld id="{F8F03505-CCE7-CA4C-B4F1-35193B6B5156}" type="datetime1">
               <a:rPr lang="en-US" smtClean="0"/>
-              <a:t>4/30/18</a:t>
+              <a:t>5/1/18</a:t>
             </a:fld>
             <a:endParaRPr lang="en-US"/>
           </a:p>
@@ -4059,7 +4059,7 @@
           <a:p>
             <a:fld id="{A02E57FB-CD21-0942-A714-152EC4568E9D}" type="datetime1">
               <a:rPr lang="en-US" smtClean="0"/>
-              <a:t>4/30/18</a:t>
+              <a:t>5/1/18</a:t>
             </a:fld>
             <a:endParaRPr lang="en-US"/>
           </a:p>
@@ -4303,7 +4303,7 @@
           <a:p>
             <a:fld id="{77AD2927-A654-D74D-A6C0-BF96EF7229C7}" type="datetime1">
               <a:rPr lang="en-US" smtClean="0"/>
-              <a:t>4/30/18</a:t>
+              <a:t>5/1/18</a:t>
             </a:fld>
             <a:endParaRPr lang="en-US"/>
           </a:p>
@@ -4535,7 +4535,7 @@
           <a:p>
             <a:fld id="{37B554B6-7788-2348-9289-7CAD598A9555}" type="datetime1">
               <a:rPr lang="en-US" smtClean="0"/>
-              <a:t>4/30/18</a:t>
+              <a:t>5/1/18</a:t>
             </a:fld>
             <a:endParaRPr lang="en-US"/>
           </a:p>
@@ -4902,7 +4902,7 @@
           <a:p>
             <a:fld id="{CCE331CB-FA13-3243-AD80-8733E43C7C1F}" type="datetime1">
               <a:rPr lang="en-US" smtClean="0"/>
-              <a:t>4/30/18</a:t>
+              <a:t>5/1/18</a:t>
             </a:fld>
             <a:endParaRPr lang="en-US"/>
           </a:p>
@@ -5020,7 +5020,7 @@
           <a:p>
             <a:fld id="{C0172A9A-4F1F-854A-9B1E-96AFCC4A9B03}" type="datetime1">
               <a:rPr lang="en-US" smtClean="0"/>
-              <a:t>4/30/18</a:t>
+              <a:t>5/1/18</a:t>
             </a:fld>
             <a:endParaRPr lang="en-US"/>
           </a:p>
@@ -5115,7 +5115,7 @@
           <a:p>
             <a:fld id="{2D504595-1B90-0F4A-A1D0-6609637EC4CD}" type="datetime1">
               <a:rPr lang="en-US" smtClean="0"/>
-              <a:t>4/30/18</a:t>
+              <a:t>5/1/18</a:t>
             </a:fld>
             <a:endParaRPr lang="en-US"/>
           </a:p>
@@ -5392,7 +5392,7 @@
           <a:p>
             <a:fld id="{F48EB26F-796F-BD4B-9EC5-A039FE9C305B}" type="datetime1">
               <a:rPr lang="en-US" smtClean="0"/>
-              <a:t>4/30/18</a:t>
+              <a:t>5/1/18</a:t>
             </a:fld>
             <a:endParaRPr lang="en-US"/>
           </a:p>
@@ -5649,7 +5649,7 @@
           <a:p>
             <a:fld id="{CDC2C28A-C946-0143-970B-84B8FE5654F4}" type="datetime1">
               <a:rPr lang="en-US" smtClean="0"/>
-              <a:t>4/30/18</a:t>
+              <a:t>5/1/18</a:t>
             </a:fld>
             <a:endParaRPr lang="en-US"/>
           </a:p>
@@ -5862,7 +5862,7 @@
           <a:p>
             <a:fld id="{A831EFE4-169C-9248-BC74-4797ECDAE130}" type="datetime1">
               <a:rPr lang="en-US" smtClean="0"/>
-              <a:t>4/30/18</a:t>
+              <a:t>5/1/18</a:t>
             </a:fld>
             <a:endParaRPr lang="en-US"/>
           </a:p>
@@ -6734,7 +6734,7 @@
           </a:ln>
           <a:extLst>
             <a:ext uri="{909E8E84-426E-40dd-AFC4-6F175D3DCCD1}">
-              <a14:hiddenFill xmlns="" xmlns:a14="http://schemas.microsoft.com/office/drawing/2010/main">
+              <a14:hiddenFill xmlns:a14="http://schemas.microsoft.com/office/drawing/2010/main" xmlns="">
                 <a:noFill/>
               </a14:hiddenFill>
             </a:ext>
@@ -6774,14 +6774,14 @@
           </a:ln>
           <a:extLst>
             <a:ext uri="{909E8E84-426E-40dd-AFC4-6F175D3DCCD1}">
-              <a14:hiddenFill xmlns="" xmlns:a14="http://schemas.microsoft.com/office/drawing/2010/main">
+              <a14:hiddenFill xmlns:a14="http://schemas.microsoft.com/office/drawing/2010/main" xmlns="">
                 <a:solidFill>
                   <a:srgbClr val="FFFFFF"/>
                 </a:solidFill>
               </a14:hiddenFill>
             </a:ext>
             <a:ext uri="{91240B29-F687-4f45-9708-019B960494DF}">
-              <a14:hiddenLine xmlns="" xmlns:a14="http://schemas.microsoft.com/office/drawing/2010/main" w="25400">
+              <a14:hiddenLine xmlns:a14="http://schemas.microsoft.com/office/drawing/2010/main" xmlns="" w="25400">
                 <a:solidFill>
                   <a:srgbClr val="000000"/>
                 </a:solidFill>
@@ -6948,14 +6948,14 @@
           </a:ln>
           <a:extLst>
             <a:ext uri="{909E8E84-426E-40dd-AFC4-6F175D3DCCD1}">
-              <a14:hiddenFill xmlns="" xmlns:a14="http://schemas.microsoft.com/office/drawing/2010/main">
+              <a14:hiddenFill xmlns:a14="http://schemas.microsoft.com/office/drawing/2010/main" xmlns="">
                 <a:solidFill>
                   <a:srgbClr val="FFFFFF"/>
                 </a:solidFill>
               </a14:hiddenFill>
             </a:ext>
             <a:ext uri="{91240B29-F687-4f45-9708-019B960494DF}">
-              <a14:hiddenLine xmlns="" xmlns:a14="http://schemas.microsoft.com/office/drawing/2010/main" w="25400">
+              <a14:hiddenLine xmlns:a14="http://schemas.microsoft.com/office/drawing/2010/main" xmlns="" w="25400">
                 <a:solidFill>
                   <a:srgbClr val="000000"/>
                 </a:solidFill>
@@ -7127,7 +7127,7 @@
           </a:ln>
           <a:extLst>
             <a:ext uri="{909E8E84-426E-40dd-AFC4-6F175D3DCCD1}">
-              <a14:hiddenFill xmlns="" xmlns:a14="http://schemas.microsoft.com/office/drawing/2010/main">
+              <a14:hiddenFill xmlns:a14="http://schemas.microsoft.com/office/drawing/2010/main" xmlns="">
                 <a:noFill/>
               </a14:hiddenFill>
             </a:ext>
@@ -7167,14 +7167,14 @@
           </a:ln>
           <a:extLst>
             <a:ext uri="{909E8E84-426E-40dd-AFC4-6F175D3DCCD1}">
-              <a14:hiddenFill xmlns="" xmlns:a14="http://schemas.microsoft.com/office/drawing/2010/main">
+              <a14:hiddenFill xmlns:a14="http://schemas.microsoft.com/office/drawing/2010/main" xmlns="">
                 <a:solidFill>
                   <a:srgbClr val="FFFFFF"/>
                 </a:solidFill>
               </a14:hiddenFill>
             </a:ext>
             <a:ext uri="{91240B29-F687-4f45-9708-019B960494DF}">
-              <a14:hiddenLine xmlns="" xmlns:a14="http://schemas.microsoft.com/office/drawing/2010/main" w="12700">
+              <a14:hiddenLine xmlns:a14="http://schemas.microsoft.com/office/drawing/2010/main" xmlns="" w="12700">
                 <a:solidFill>
                   <a:srgbClr val="000000"/>
                 </a:solidFill>
@@ -7341,14 +7341,14 @@
           </a:ln>
           <a:extLst>
             <a:ext uri="{909E8E84-426E-40dd-AFC4-6F175D3DCCD1}">
-              <a14:hiddenFill xmlns="" xmlns:a14="http://schemas.microsoft.com/office/drawing/2010/main">
+              <a14:hiddenFill xmlns:a14="http://schemas.microsoft.com/office/drawing/2010/main" xmlns="">
                 <a:solidFill>
                   <a:srgbClr val="FFFFFF"/>
                 </a:solidFill>
               </a14:hiddenFill>
             </a:ext>
             <a:ext uri="{91240B29-F687-4f45-9708-019B960494DF}">
-              <a14:hiddenLine xmlns="" xmlns:a14="http://schemas.microsoft.com/office/drawing/2010/main" w="12700">
+              <a14:hiddenLine xmlns:a14="http://schemas.microsoft.com/office/drawing/2010/main" xmlns="" w="12700">
                 <a:solidFill>
                   <a:srgbClr val="000000"/>
                 </a:solidFill>
@@ -7536,7 +7536,7 @@
             </a:ln>
             <a:extLst>
               <a:ext uri="{909E8E84-426E-40dd-AFC4-6F175D3DCCD1}">
-                <a14:hiddenFill xmlns="" xmlns:a14="http://schemas.microsoft.com/office/drawing/2010/main">
+                <a14:hiddenFill xmlns:a14="http://schemas.microsoft.com/office/drawing/2010/main" xmlns="">
                   <a:noFill/>
                 </a14:hiddenFill>
               </a:ext>
@@ -7576,14 +7576,14 @@
             </a:ln>
             <a:extLst>
               <a:ext uri="{909E8E84-426E-40dd-AFC4-6F175D3DCCD1}">
-                <a14:hiddenFill xmlns="" xmlns:a14="http://schemas.microsoft.com/office/drawing/2010/main">
+                <a14:hiddenFill xmlns:a14="http://schemas.microsoft.com/office/drawing/2010/main" xmlns="">
                   <a:solidFill>
                     <a:srgbClr val="FFFFFF"/>
                   </a:solidFill>
                 </a14:hiddenFill>
               </a:ext>
               <a:ext uri="{91240B29-F687-4f45-9708-019B960494DF}">
-                <a14:hiddenLine xmlns="" xmlns:a14="http://schemas.microsoft.com/office/drawing/2010/main" w="25400">
+                <a14:hiddenLine xmlns:a14="http://schemas.microsoft.com/office/drawing/2010/main" xmlns="" w="25400">
                   <a:solidFill>
                     <a:srgbClr val="000000"/>
                   </a:solidFill>
@@ -7805,7 +7805,7 @@
             </a:ln>
             <a:extLst>
               <a:ext uri="{909E8E84-426E-40dd-AFC4-6F175D3DCCD1}">
-                <a14:hiddenFill xmlns="" xmlns:a14="http://schemas.microsoft.com/office/drawing/2010/main">
+                <a14:hiddenFill xmlns:a14="http://schemas.microsoft.com/office/drawing/2010/main" xmlns="">
                   <a:noFill/>
                 </a14:hiddenFill>
               </a:ext>
@@ -7845,14 +7845,14 @@
             </a:ln>
             <a:extLst>
               <a:ext uri="{909E8E84-426E-40dd-AFC4-6F175D3DCCD1}">
-                <a14:hiddenFill xmlns="" xmlns:a14="http://schemas.microsoft.com/office/drawing/2010/main">
+                <a14:hiddenFill xmlns:a14="http://schemas.microsoft.com/office/drawing/2010/main" xmlns="">
                   <a:solidFill>
                     <a:srgbClr val="FFFFFF"/>
                   </a:solidFill>
                 </a14:hiddenFill>
               </a:ext>
               <a:ext uri="{91240B29-F687-4f45-9708-019B960494DF}">
-                <a14:hiddenLine xmlns="" xmlns:a14="http://schemas.microsoft.com/office/drawing/2010/main" w="25400">
+                <a14:hiddenLine xmlns:a14="http://schemas.microsoft.com/office/drawing/2010/main" xmlns="" w="25400">
                   <a:solidFill>
                     <a:srgbClr val="000000"/>
                   </a:solidFill>
@@ -8083,7 +8083,7 @@
             </a:ln>
             <a:extLst>
               <a:ext uri="{909E8E84-426E-40dd-AFC4-6F175D3DCCD1}">
-                <a14:hiddenFill xmlns="" xmlns:a14="http://schemas.microsoft.com/office/drawing/2010/main">
+                <a14:hiddenFill xmlns:a14="http://schemas.microsoft.com/office/drawing/2010/main" xmlns="">
                   <a:noFill/>
                 </a14:hiddenFill>
               </a:ext>
@@ -8123,14 +8123,14 @@
             </a:ln>
             <a:extLst>
               <a:ext uri="{909E8E84-426E-40dd-AFC4-6F175D3DCCD1}">
-                <a14:hiddenFill xmlns="" xmlns:a14="http://schemas.microsoft.com/office/drawing/2010/main">
+                <a14:hiddenFill xmlns:a14="http://schemas.microsoft.com/office/drawing/2010/main" xmlns="">
                   <a:solidFill>
                     <a:srgbClr val="FFFFFF"/>
                   </a:solidFill>
                 </a14:hiddenFill>
               </a:ext>
               <a:ext uri="{91240B29-F687-4f45-9708-019B960494DF}">
-                <a14:hiddenLine xmlns="" xmlns:a14="http://schemas.microsoft.com/office/drawing/2010/main" w="25400">
+                <a14:hiddenLine xmlns:a14="http://schemas.microsoft.com/office/drawing/2010/main" xmlns="" w="25400">
                   <a:solidFill>
                     <a:srgbClr val="000000"/>
                   </a:solidFill>
@@ -8345,7 +8345,7 @@
           </a:ln>
           <a:extLst>
             <a:ext uri="{909E8E84-426E-40dd-AFC4-6F175D3DCCD1}">
-              <a14:hiddenFill xmlns="" xmlns:a14="http://schemas.microsoft.com/office/drawing/2010/main">
+              <a14:hiddenFill xmlns:a14="http://schemas.microsoft.com/office/drawing/2010/main" xmlns="">
                 <a:noFill/>
               </a14:hiddenFill>
             </a:ext>
@@ -8385,14 +8385,14 @@
           </a:ln>
           <a:extLst>
             <a:ext uri="{909E8E84-426E-40dd-AFC4-6F175D3DCCD1}">
-              <a14:hiddenFill xmlns="" xmlns:a14="http://schemas.microsoft.com/office/drawing/2010/main">
+              <a14:hiddenFill xmlns:a14="http://schemas.microsoft.com/office/drawing/2010/main" xmlns="">
                 <a:solidFill>
                   <a:srgbClr val="FFFFFF"/>
                 </a:solidFill>
               </a14:hiddenFill>
             </a:ext>
             <a:ext uri="{91240B29-F687-4f45-9708-019B960494DF}">
-              <a14:hiddenLine xmlns="" xmlns:a14="http://schemas.microsoft.com/office/drawing/2010/main" w="25400">
+              <a14:hiddenLine xmlns:a14="http://schemas.microsoft.com/office/drawing/2010/main" xmlns="" w="25400">
                 <a:solidFill>
                   <a:srgbClr val="000000"/>
                 </a:solidFill>
@@ -8565,14 +8565,14 @@
           </a:ln>
           <a:extLst>
             <a:ext uri="{909E8E84-426E-40dd-AFC4-6F175D3DCCD1}">
-              <a14:hiddenFill xmlns="" xmlns:a14="http://schemas.microsoft.com/office/drawing/2010/main">
+              <a14:hiddenFill xmlns:a14="http://schemas.microsoft.com/office/drawing/2010/main" xmlns="">
                 <a:solidFill>
                   <a:srgbClr val="FFFFFF"/>
                 </a:solidFill>
               </a14:hiddenFill>
             </a:ext>
             <a:ext uri="{91240B29-F687-4f45-9708-019B960494DF}">
-              <a14:hiddenLine xmlns="" xmlns:a14="http://schemas.microsoft.com/office/drawing/2010/main" w="12700">
+              <a14:hiddenLine xmlns:a14="http://schemas.microsoft.com/office/drawing/2010/main" xmlns="" w="12700">
                 <a:solidFill>
                   <a:srgbClr val="000000"/>
                 </a:solidFill>
@@ -9124,7 +9124,7 @@
           </a:ln>
           <a:extLst>
             <a:ext uri="{909E8E84-426E-40dd-AFC4-6F175D3DCCD1}">
-              <a14:hiddenFill xmlns="" xmlns:a14="http://schemas.microsoft.com/office/drawing/2010/main">
+              <a14:hiddenFill xmlns:a14="http://schemas.microsoft.com/office/drawing/2010/main" xmlns="">
                 <a:noFill/>
               </a14:hiddenFill>
             </a:ext>
@@ -9164,14 +9164,14 @@
           </a:ln>
           <a:extLst>
             <a:ext uri="{909E8E84-426E-40dd-AFC4-6F175D3DCCD1}">
-              <a14:hiddenFill xmlns="" xmlns:a14="http://schemas.microsoft.com/office/drawing/2010/main">
+              <a14:hiddenFill xmlns:a14="http://schemas.microsoft.com/office/drawing/2010/main" xmlns="">
                 <a:solidFill>
                   <a:srgbClr val="FFFFFF"/>
                 </a:solidFill>
               </a14:hiddenFill>
             </a:ext>
             <a:ext uri="{91240B29-F687-4f45-9708-019B960494DF}">
-              <a14:hiddenLine xmlns="" xmlns:a14="http://schemas.microsoft.com/office/drawing/2010/main" w="25400">
+              <a14:hiddenLine xmlns:a14="http://schemas.microsoft.com/office/drawing/2010/main" xmlns="" w="25400">
                 <a:solidFill>
                   <a:srgbClr val="000000"/>
                 </a:solidFill>
@@ -9338,14 +9338,14 @@
           </a:ln>
           <a:extLst>
             <a:ext uri="{909E8E84-426E-40dd-AFC4-6F175D3DCCD1}">
-              <a14:hiddenFill xmlns="" xmlns:a14="http://schemas.microsoft.com/office/drawing/2010/main">
+              <a14:hiddenFill xmlns:a14="http://schemas.microsoft.com/office/drawing/2010/main" xmlns="">
                 <a:solidFill>
                   <a:srgbClr val="FFFFFF"/>
                 </a:solidFill>
               </a14:hiddenFill>
             </a:ext>
             <a:ext uri="{91240B29-F687-4f45-9708-019B960494DF}">
-              <a14:hiddenLine xmlns="" xmlns:a14="http://schemas.microsoft.com/office/drawing/2010/main" w="25400">
+              <a14:hiddenLine xmlns:a14="http://schemas.microsoft.com/office/drawing/2010/main" xmlns="" w="25400">
                 <a:solidFill>
                   <a:srgbClr val="000000"/>
                 </a:solidFill>
@@ -9517,7 +9517,7 @@
           </a:ln>
           <a:extLst>
             <a:ext uri="{909E8E84-426E-40dd-AFC4-6F175D3DCCD1}">
-              <a14:hiddenFill xmlns="" xmlns:a14="http://schemas.microsoft.com/office/drawing/2010/main">
+              <a14:hiddenFill xmlns:a14="http://schemas.microsoft.com/office/drawing/2010/main" xmlns="">
                 <a:noFill/>
               </a14:hiddenFill>
             </a:ext>
@@ -9557,14 +9557,14 @@
           </a:ln>
           <a:extLst>
             <a:ext uri="{909E8E84-426E-40dd-AFC4-6F175D3DCCD1}">
-              <a14:hiddenFill xmlns="" xmlns:a14="http://schemas.microsoft.com/office/drawing/2010/main">
+              <a14:hiddenFill xmlns:a14="http://schemas.microsoft.com/office/drawing/2010/main" xmlns="">
                 <a:solidFill>
                   <a:srgbClr val="FFFFFF"/>
                 </a:solidFill>
               </a14:hiddenFill>
             </a:ext>
             <a:ext uri="{91240B29-F687-4f45-9708-019B960494DF}">
-              <a14:hiddenLine xmlns="" xmlns:a14="http://schemas.microsoft.com/office/drawing/2010/main" w="12700">
+              <a14:hiddenLine xmlns:a14="http://schemas.microsoft.com/office/drawing/2010/main" xmlns="" w="12700">
                 <a:solidFill>
                   <a:srgbClr val="000000"/>
                 </a:solidFill>
@@ -9731,14 +9731,14 @@
           </a:ln>
           <a:extLst>
             <a:ext uri="{909E8E84-426E-40dd-AFC4-6F175D3DCCD1}">
-              <a14:hiddenFill xmlns="" xmlns:a14="http://schemas.microsoft.com/office/drawing/2010/main">
+              <a14:hiddenFill xmlns:a14="http://schemas.microsoft.com/office/drawing/2010/main" xmlns="">
                 <a:solidFill>
                   <a:srgbClr val="FFFFFF"/>
                 </a:solidFill>
               </a14:hiddenFill>
             </a:ext>
             <a:ext uri="{91240B29-F687-4f45-9708-019B960494DF}">
-              <a14:hiddenLine xmlns="" xmlns:a14="http://schemas.microsoft.com/office/drawing/2010/main" w="12700">
+              <a14:hiddenLine xmlns:a14="http://schemas.microsoft.com/office/drawing/2010/main" xmlns="" w="12700">
                 <a:solidFill>
                   <a:srgbClr val="000000"/>
                 </a:solidFill>
@@ -9926,7 +9926,7 @@
             </a:ln>
             <a:extLst>
               <a:ext uri="{909E8E84-426E-40dd-AFC4-6F175D3DCCD1}">
-                <a14:hiddenFill xmlns="" xmlns:a14="http://schemas.microsoft.com/office/drawing/2010/main">
+                <a14:hiddenFill xmlns:a14="http://schemas.microsoft.com/office/drawing/2010/main" xmlns="">
                   <a:noFill/>
                 </a14:hiddenFill>
               </a:ext>
@@ -9966,14 +9966,14 @@
             </a:ln>
             <a:extLst>
               <a:ext uri="{909E8E84-426E-40dd-AFC4-6F175D3DCCD1}">
-                <a14:hiddenFill xmlns="" xmlns:a14="http://schemas.microsoft.com/office/drawing/2010/main">
+                <a14:hiddenFill xmlns:a14="http://schemas.microsoft.com/office/drawing/2010/main" xmlns="">
                   <a:solidFill>
                     <a:srgbClr val="FFFFFF"/>
                   </a:solidFill>
                 </a14:hiddenFill>
               </a:ext>
               <a:ext uri="{91240B29-F687-4f45-9708-019B960494DF}">
-                <a14:hiddenLine xmlns="" xmlns:a14="http://schemas.microsoft.com/office/drawing/2010/main" w="25400">
+                <a14:hiddenLine xmlns:a14="http://schemas.microsoft.com/office/drawing/2010/main" xmlns="" w="25400">
                   <a:solidFill>
                     <a:srgbClr val="000000"/>
                   </a:solidFill>
@@ -10195,7 +10195,7 @@
             </a:ln>
             <a:extLst>
               <a:ext uri="{909E8E84-426E-40dd-AFC4-6F175D3DCCD1}">
-                <a14:hiddenFill xmlns="" xmlns:a14="http://schemas.microsoft.com/office/drawing/2010/main">
+                <a14:hiddenFill xmlns:a14="http://schemas.microsoft.com/office/drawing/2010/main" xmlns="">
                   <a:noFill/>
                 </a14:hiddenFill>
               </a:ext>
@@ -10235,14 +10235,14 @@
             </a:ln>
             <a:extLst>
               <a:ext uri="{909E8E84-426E-40dd-AFC4-6F175D3DCCD1}">
-                <a14:hiddenFill xmlns="" xmlns:a14="http://schemas.microsoft.com/office/drawing/2010/main">
+                <a14:hiddenFill xmlns:a14="http://schemas.microsoft.com/office/drawing/2010/main" xmlns="">
                   <a:solidFill>
                     <a:srgbClr val="FFFFFF"/>
                   </a:solidFill>
                 </a14:hiddenFill>
               </a:ext>
               <a:ext uri="{91240B29-F687-4f45-9708-019B960494DF}">
-                <a14:hiddenLine xmlns="" xmlns:a14="http://schemas.microsoft.com/office/drawing/2010/main" w="25400">
+                <a14:hiddenLine xmlns:a14="http://schemas.microsoft.com/office/drawing/2010/main" xmlns="" w="25400">
                   <a:solidFill>
                     <a:srgbClr val="000000"/>
                   </a:solidFill>
@@ -10473,7 +10473,7 @@
             </a:ln>
             <a:extLst>
               <a:ext uri="{909E8E84-426E-40dd-AFC4-6F175D3DCCD1}">
-                <a14:hiddenFill xmlns="" xmlns:a14="http://schemas.microsoft.com/office/drawing/2010/main">
+                <a14:hiddenFill xmlns:a14="http://schemas.microsoft.com/office/drawing/2010/main" xmlns="">
                   <a:noFill/>
                 </a14:hiddenFill>
               </a:ext>
@@ -10513,14 +10513,14 @@
             </a:ln>
             <a:extLst>
               <a:ext uri="{909E8E84-426E-40dd-AFC4-6F175D3DCCD1}">
-                <a14:hiddenFill xmlns="" xmlns:a14="http://schemas.microsoft.com/office/drawing/2010/main">
+                <a14:hiddenFill xmlns:a14="http://schemas.microsoft.com/office/drawing/2010/main" xmlns="">
                   <a:solidFill>
                     <a:srgbClr val="FFFFFF"/>
                   </a:solidFill>
                 </a14:hiddenFill>
               </a:ext>
               <a:ext uri="{91240B29-F687-4f45-9708-019B960494DF}">
-                <a14:hiddenLine xmlns="" xmlns:a14="http://schemas.microsoft.com/office/drawing/2010/main" w="25400">
+                <a14:hiddenLine xmlns:a14="http://schemas.microsoft.com/office/drawing/2010/main" xmlns="" w="25400">
                   <a:solidFill>
                     <a:srgbClr val="000000"/>
                   </a:solidFill>
@@ -10735,7 +10735,7 @@
           </a:ln>
           <a:extLst>
             <a:ext uri="{909E8E84-426E-40dd-AFC4-6F175D3DCCD1}">
-              <a14:hiddenFill xmlns="" xmlns:a14="http://schemas.microsoft.com/office/drawing/2010/main">
+              <a14:hiddenFill xmlns:a14="http://schemas.microsoft.com/office/drawing/2010/main" xmlns="">
                 <a:noFill/>
               </a14:hiddenFill>
             </a:ext>
@@ -10775,14 +10775,14 @@
           </a:ln>
           <a:extLst>
             <a:ext uri="{909E8E84-426E-40dd-AFC4-6F175D3DCCD1}">
-              <a14:hiddenFill xmlns="" xmlns:a14="http://schemas.microsoft.com/office/drawing/2010/main">
+              <a14:hiddenFill xmlns:a14="http://schemas.microsoft.com/office/drawing/2010/main" xmlns="">
                 <a:solidFill>
                   <a:srgbClr val="FFFFFF"/>
                 </a:solidFill>
               </a14:hiddenFill>
             </a:ext>
             <a:ext uri="{91240B29-F687-4f45-9708-019B960494DF}">
-              <a14:hiddenLine xmlns="" xmlns:a14="http://schemas.microsoft.com/office/drawing/2010/main" w="25400">
+              <a14:hiddenLine xmlns:a14="http://schemas.microsoft.com/office/drawing/2010/main" xmlns="" w="25400">
                 <a:solidFill>
                   <a:srgbClr val="000000"/>
                 </a:solidFill>
@@ -10955,14 +10955,14 @@
           </a:ln>
           <a:extLst>
             <a:ext uri="{909E8E84-426E-40dd-AFC4-6F175D3DCCD1}">
-              <a14:hiddenFill xmlns="" xmlns:a14="http://schemas.microsoft.com/office/drawing/2010/main">
+              <a14:hiddenFill xmlns:a14="http://schemas.microsoft.com/office/drawing/2010/main" xmlns="">
                 <a:solidFill>
                   <a:srgbClr val="FFFFFF"/>
                 </a:solidFill>
               </a14:hiddenFill>
             </a:ext>
             <a:ext uri="{91240B29-F687-4f45-9708-019B960494DF}">
-              <a14:hiddenLine xmlns="" xmlns:a14="http://schemas.microsoft.com/office/drawing/2010/main" w="12700">
+              <a14:hiddenLine xmlns:a14="http://schemas.microsoft.com/office/drawing/2010/main" xmlns="" w="12700">
                 <a:solidFill>
                   <a:srgbClr val="000000"/>
                 </a:solidFill>
@@ -11158,7 +11158,7 @@
             </a:ln>
             <a:extLst>
               <a:ext uri="{909E8E84-426E-40dd-AFC4-6F175D3DCCD1}">
-                <a14:hiddenFill xmlns="" xmlns:a14="http://schemas.microsoft.com/office/drawing/2010/main">
+                <a14:hiddenFill xmlns:a14="http://schemas.microsoft.com/office/drawing/2010/main" xmlns="">
                   <a:noFill/>
                 </a14:hiddenFill>
               </a:ext>
@@ -11198,14 +11198,14 @@
             </a:ln>
             <a:extLst>
               <a:ext uri="{909E8E84-426E-40dd-AFC4-6F175D3DCCD1}">
-                <a14:hiddenFill xmlns="" xmlns:a14="http://schemas.microsoft.com/office/drawing/2010/main">
+                <a14:hiddenFill xmlns:a14="http://schemas.microsoft.com/office/drawing/2010/main" xmlns="">
                   <a:solidFill>
                     <a:srgbClr val="FFFFFF"/>
                   </a:solidFill>
                 </a14:hiddenFill>
               </a:ext>
               <a:ext uri="{91240B29-F687-4f45-9708-019B960494DF}">
-                <a14:hiddenLine xmlns="" xmlns:a14="http://schemas.microsoft.com/office/drawing/2010/main" w="25400">
+                <a14:hiddenLine xmlns:a14="http://schemas.microsoft.com/office/drawing/2010/main" xmlns="" w="25400">
                   <a:solidFill>
                     <a:srgbClr val="000000"/>
                   </a:solidFill>
@@ -11415,14 +11415,14 @@
           </a:ln>
           <a:extLst>
             <a:ext uri="{909E8E84-426E-40dd-AFC4-6F175D3DCCD1}">
-              <a14:hiddenFill xmlns="" xmlns:a14="http://schemas.microsoft.com/office/drawing/2010/main">
+              <a14:hiddenFill xmlns:a14="http://schemas.microsoft.com/office/drawing/2010/main" xmlns="">
                 <a:solidFill>
                   <a:srgbClr val="FFFFFF"/>
                 </a:solidFill>
               </a14:hiddenFill>
             </a:ext>
             <a:ext uri="{91240B29-F687-4f45-9708-019B960494DF}">
-              <a14:hiddenLine xmlns="" xmlns:a14="http://schemas.microsoft.com/office/drawing/2010/main" w="12700">
+              <a14:hiddenLine xmlns:a14="http://schemas.microsoft.com/office/drawing/2010/main" xmlns="" w="12700">
                 <a:solidFill>
                   <a:srgbClr val="000000"/>
                 </a:solidFill>
@@ -12459,7 +12459,7 @@
             </a:ln>
             <a:extLst>
               <a:ext uri="{909E8E84-426E-40dd-AFC4-6F175D3DCCD1}">
-                <a14:hiddenFill xmlns="" xmlns:a14="http://schemas.microsoft.com/office/drawing/2010/main">
+                <a14:hiddenFill xmlns:a14="http://schemas.microsoft.com/office/drawing/2010/main" xmlns="">
                   <a:solidFill>
                     <a:srgbClr val="FFFFFF"/>
                   </a:solidFill>
@@ -12500,14 +12500,14 @@
             </a:ln>
             <a:extLst>
               <a:ext uri="{909E8E84-426E-40dd-AFC4-6F175D3DCCD1}">
-                <a14:hiddenFill xmlns="" xmlns:a14="http://schemas.microsoft.com/office/drawing/2010/main">
+                <a14:hiddenFill xmlns:a14="http://schemas.microsoft.com/office/drawing/2010/main" xmlns="">
                   <a:solidFill>
                     <a:srgbClr val="FFFFFF"/>
                   </a:solidFill>
                 </a14:hiddenFill>
               </a:ext>
               <a:ext uri="{91240B29-F687-4f45-9708-019B960494DF}">
-                <a14:hiddenLine xmlns="" xmlns:a14="http://schemas.microsoft.com/office/drawing/2010/main" w="9525">
+                <a14:hiddenLine xmlns:a14="http://schemas.microsoft.com/office/drawing/2010/main" xmlns="" w="9525">
                   <a:solidFill>
                     <a:srgbClr val="000000"/>
                   </a:solidFill>
@@ -12668,7 +12668,7 @@
             </a:ln>
             <a:extLst>
               <a:ext uri="{909E8E84-426E-40dd-AFC4-6F175D3DCCD1}">
-                <a14:hiddenFill xmlns="" xmlns:a14="http://schemas.microsoft.com/office/drawing/2010/main">
+                <a14:hiddenFill xmlns:a14="http://schemas.microsoft.com/office/drawing/2010/main" xmlns="">
                   <a:solidFill>
                     <a:srgbClr val="FFFFFF"/>
                   </a:solidFill>
@@ -12709,14 +12709,14 @@
             </a:ln>
             <a:extLst>
               <a:ext uri="{909E8E84-426E-40dd-AFC4-6F175D3DCCD1}">
-                <a14:hiddenFill xmlns="" xmlns:a14="http://schemas.microsoft.com/office/drawing/2010/main">
+                <a14:hiddenFill xmlns:a14="http://schemas.microsoft.com/office/drawing/2010/main" xmlns="">
                   <a:solidFill>
                     <a:srgbClr val="FFFFFF"/>
                   </a:solidFill>
                 </a14:hiddenFill>
               </a:ext>
               <a:ext uri="{91240B29-F687-4f45-9708-019B960494DF}">
-                <a14:hiddenLine xmlns="" xmlns:a14="http://schemas.microsoft.com/office/drawing/2010/main" w="9525">
+                <a14:hiddenLine xmlns:a14="http://schemas.microsoft.com/office/drawing/2010/main" xmlns="" w="9525">
                   <a:solidFill>
                     <a:srgbClr val="000000"/>
                   </a:solidFill>
@@ -12877,7 +12877,7 @@
             </a:ln>
             <a:extLst>
               <a:ext uri="{909E8E84-426E-40dd-AFC4-6F175D3DCCD1}">
-                <a14:hiddenFill xmlns="" xmlns:a14="http://schemas.microsoft.com/office/drawing/2010/main">
+                <a14:hiddenFill xmlns:a14="http://schemas.microsoft.com/office/drawing/2010/main" xmlns="">
                   <a:solidFill>
                     <a:srgbClr val="FFFFFF"/>
                   </a:solidFill>
@@ -12918,14 +12918,14 @@
             </a:ln>
             <a:extLst>
               <a:ext uri="{909E8E84-426E-40dd-AFC4-6F175D3DCCD1}">
-                <a14:hiddenFill xmlns="" xmlns:a14="http://schemas.microsoft.com/office/drawing/2010/main">
+                <a14:hiddenFill xmlns:a14="http://schemas.microsoft.com/office/drawing/2010/main" xmlns="">
                   <a:solidFill>
                     <a:srgbClr val="FFFFFF"/>
                   </a:solidFill>
                 </a14:hiddenFill>
               </a:ext>
               <a:ext uri="{91240B29-F687-4f45-9708-019B960494DF}">
-                <a14:hiddenLine xmlns="" xmlns:a14="http://schemas.microsoft.com/office/drawing/2010/main" w="9525">
+                <a14:hiddenLine xmlns:a14="http://schemas.microsoft.com/office/drawing/2010/main" xmlns="" w="9525">
                   <a:solidFill>
                     <a:srgbClr val="000000"/>
                   </a:solidFill>
@@ -13081,14 +13081,14 @@
             </a:ln>
             <a:extLst>
               <a:ext uri="{909E8E84-426E-40dd-AFC4-6F175D3DCCD1}">
-                <a14:hiddenFill xmlns="" xmlns:a14="http://schemas.microsoft.com/office/drawing/2010/main">
+                <a14:hiddenFill xmlns:a14="http://schemas.microsoft.com/office/drawing/2010/main" xmlns="">
                   <a:solidFill>
                     <a:srgbClr val="FFFFFF"/>
                   </a:solidFill>
                 </a14:hiddenFill>
               </a:ext>
               <a:ext uri="{91240B29-F687-4f45-9708-019B960494DF}">
-                <a14:hiddenLine xmlns="" xmlns:a14="http://schemas.microsoft.com/office/drawing/2010/main" w="9525">
+                <a14:hiddenLine xmlns:a14="http://schemas.microsoft.com/office/drawing/2010/main" xmlns="" w="9525">
                   <a:solidFill>
                     <a:srgbClr val="000000"/>
                   </a:solidFill>
@@ -13289,7 +13289,7 @@
             </a:ln>
             <a:extLst>
               <a:ext uri="{909E8E84-426E-40dd-AFC4-6F175D3DCCD1}">
-                <a14:hiddenFill xmlns="" xmlns:a14="http://schemas.microsoft.com/office/drawing/2010/main">
+                <a14:hiddenFill xmlns:a14="http://schemas.microsoft.com/office/drawing/2010/main" xmlns="">
                   <a:solidFill>
                     <a:srgbClr val="FFFFFF"/>
                   </a:solidFill>
@@ -13330,14 +13330,14 @@
             </a:ln>
             <a:extLst>
               <a:ext uri="{909E8E84-426E-40dd-AFC4-6F175D3DCCD1}">
-                <a14:hiddenFill xmlns="" xmlns:a14="http://schemas.microsoft.com/office/drawing/2010/main">
+                <a14:hiddenFill xmlns:a14="http://schemas.microsoft.com/office/drawing/2010/main" xmlns="">
                   <a:solidFill>
                     <a:srgbClr val="FFFFFF"/>
                   </a:solidFill>
                 </a14:hiddenFill>
               </a:ext>
               <a:ext uri="{91240B29-F687-4f45-9708-019B960494DF}">
-                <a14:hiddenLine xmlns="" xmlns:a14="http://schemas.microsoft.com/office/drawing/2010/main" w="9525">
+                <a14:hiddenLine xmlns:a14="http://schemas.microsoft.com/office/drawing/2010/main" xmlns="" w="9525">
                   <a:solidFill>
                     <a:srgbClr val="000000"/>
                   </a:solidFill>
@@ -13537,7 +13537,7 @@
             </a:ln>
             <a:extLst>
               <a:ext uri="{909E8E84-426E-40dd-AFC4-6F175D3DCCD1}">
-                <a14:hiddenFill xmlns="" xmlns:a14="http://schemas.microsoft.com/office/drawing/2010/main">
+                <a14:hiddenFill xmlns:a14="http://schemas.microsoft.com/office/drawing/2010/main" xmlns="">
                   <a:solidFill>
                     <a:srgbClr val="FFFFFF"/>
                   </a:solidFill>
@@ -13583,7 +13583,7 @@
             </a:ln>
             <a:extLst>
               <a:ext uri="{909E8E84-426E-40dd-AFC4-6F175D3DCCD1}">
-                <a14:hiddenFill xmlns="" xmlns:a14="http://schemas.microsoft.com/office/drawing/2010/main">
+                <a14:hiddenFill xmlns:a14="http://schemas.microsoft.com/office/drawing/2010/main" xmlns="">
                   <a:solidFill>
                     <a:srgbClr val="FFFFFF"/>
                   </a:solidFill>
@@ -13624,14 +13624,14 @@
             </a:ln>
             <a:extLst>
               <a:ext uri="{909E8E84-426E-40dd-AFC4-6F175D3DCCD1}">
-                <a14:hiddenFill xmlns="" xmlns:a14="http://schemas.microsoft.com/office/drawing/2010/main">
+                <a14:hiddenFill xmlns:a14="http://schemas.microsoft.com/office/drawing/2010/main" xmlns="">
                   <a:solidFill>
                     <a:srgbClr val="FFFFFF"/>
                   </a:solidFill>
                 </a14:hiddenFill>
               </a:ext>
               <a:ext uri="{91240B29-F687-4f45-9708-019B960494DF}">
-                <a14:hiddenLine xmlns="" xmlns:a14="http://schemas.microsoft.com/office/drawing/2010/main" w="9525">
+                <a14:hiddenLine xmlns:a14="http://schemas.microsoft.com/office/drawing/2010/main" xmlns="" w="9525">
                   <a:solidFill>
                     <a:srgbClr val="000000"/>
                   </a:solidFill>
@@ -13791,14 +13791,14 @@
             </a:ln>
             <a:extLst>
               <a:ext uri="{909E8E84-426E-40dd-AFC4-6F175D3DCCD1}">
-                <a14:hiddenFill xmlns="" xmlns:a14="http://schemas.microsoft.com/office/drawing/2010/main">
+                <a14:hiddenFill xmlns:a14="http://schemas.microsoft.com/office/drawing/2010/main" xmlns="">
                   <a:solidFill>
                     <a:srgbClr val="FFFFFF"/>
                   </a:solidFill>
                 </a14:hiddenFill>
               </a:ext>
               <a:ext uri="{91240B29-F687-4f45-9708-019B960494DF}">
-                <a14:hiddenLine xmlns="" xmlns:a14="http://schemas.microsoft.com/office/drawing/2010/main" w="9525">
+                <a14:hiddenLine xmlns:a14="http://schemas.microsoft.com/office/drawing/2010/main" xmlns="" w="9525">
                   <a:solidFill>
                     <a:srgbClr val="000000"/>
                   </a:solidFill>
@@ -13954,14 +13954,14 @@
             </a:ln>
             <a:extLst>
               <a:ext uri="{909E8E84-426E-40dd-AFC4-6F175D3DCCD1}">
-                <a14:hiddenFill xmlns="" xmlns:a14="http://schemas.microsoft.com/office/drawing/2010/main">
+                <a14:hiddenFill xmlns:a14="http://schemas.microsoft.com/office/drawing/2010/main" xmlns="">
                   <a:solidFill>
                     <a:srgbClr val="FFFFFF"/>
                   </a:solidFill>
                 </a14:hiddenFill>
               </a:ext>
               <a:ext uri="{91240B29-F687-4f45-9708-019B960494DF}">
-                <a14:hiddenLine xmlns="" xmlns:a14="http://schemas.microsoft.com/office/drawing/2010/main" w="9525">
+                <a14:hiddenLine xmlns:a14="http://schemas.microsoft.com/office/drawing/2010/main" xmlns="" w="9525">
                   <a:solidFill>
                     <a:srgbClr val="000000"/>
                   </a:solidFill>
@@ -14117,14 +14117,14 @@
             </a:ln>
             <a:extLst>
               <a:ext uri="{909E8E84-426E-40dd-AFC4-6F175D3DCCD1}">
-                <a14:hiddenFill xmlns="" xmlns:a14="http://schemas.microsoft.com/office/drawing/2010/main">
+                <a14:hiddenFill xmlns:a14="http://schemas.microsoft.com/office/drawing/2010/main" xmlns="">
                   <a:solidFill>
                     <a:srgbClr val="FFFFFF"/>
                   </a:solidFill>
                 </a14:hiddenFill>
               </a:ext>
               <a:ext uri="{91240B29-F687-4f45-9708-019B960494DF}">
-                <a14:hiddenLine xmlns="" xmlns:a14="http://schemas.microsoft.com/office/drawing/2010/main" w="9525">
+                <a14:hiddenLine xmlns:a14="http://schemas.microsoft.com/office/drawing/2010/main" xmlns="" w="9525">
                   <a:solidFill>
                     <a:srgbClr val="000000"/>
                   </a:solidFill>
@@ -14808,7 +14808,7 @@
 </file>
 
 <file path=ppt/slides/slide18.xml><?xml version="1.0" encoding="utf-8"?>
-<p:sld xmlns:a="http://schemas.openxmlformats.org/drawingml/2006/main" xmlns:r="http://schemas.openxmlformats.org/officeDocument/2006/relationships" xmlns:p="http://schemas.openxmlformats.org/presentationml/2006/main">
+<p:sld xmlns:a="http://schemas.openxmlformats.org/drawingml/2006/main" xmlns:r="http://schemas.openxmlformats.org/officeDocument/2006/relationships" xmlns:p="http://schemas.openxmlformats.org/presentationml/2006/main" show="0">
   <p:cSld>
     <p:spTree>
       <p:nvGrpSpPr>
@@ -14934,6 +14934,14 @@
   <p:clrMapOvr>
     <a:masterClrMapping/>
   </p:clrMapOvr>
+  <mc:AlternateContent xmlns:mc="http://schemas.openxmlformats.org/markup-compatibility/2006">
+    <mc:Choice xmlns:p14="http://schemas.microsoft.com/office/powerpoint/2010/main" Requires="p14">
+      <p:transition spd="slow" p14:dur="2000"/>
+    </mc:Choice>
+    <mc:Fallback>
+      <p:transition spd="slow"/>
+    </mc:Fallback>
+  </mc:AlternateContent>
   <p:timing>
     <p:tnLst>
       <p:par>
@@ -18223,7 +18231,7 @@
             </a:ln>
             <a:extLst>
               <a:ext uri="{91240B29-F687-4f45-9708-019B960494DF}">
-                <a14:hiddenLine xmlns:a14="http://schemas.microsoft.com/office/drawing/2010/main" xmlns="" w="9525">
+                <a14:hiddenLine xmlns="" xmlns:a14="http://schemas.microsoft.com/office/drawing/2010/main" w="9525">
                   <a:solidFill>
                     <a:srgbClr val="000000"/>
                   </a:solidFill>
@@ -18381,14 +18389,14 @@
             </a:ln>
             <a:extLst>
               <a:ext uri="{909E8E84-426E-40dd-AFC4-6F175D3DCCD1}">
-                <a14:hiddenFill xmlns:a14="http://schemas.microsoft.com/office/drawing/2010/main" xmlns="">
+                <a14:hiddenFill xmlns="" xmlns:a14="http://schemas.microsoft.com/office/drawing/2010/main">
                   <a:solidFill>
                     <a:srgbClr val="FFFFFF"/>
                   </a:solidFill>
                 </a14:hiddenFill>
               </a:ext>
               <a:ext uri="{91240B29-F687-4f45-9708-019B960494DF}">
-                <a14:hiddenLine xmlns:a14="http://schemas.microsoft.com/office/drawing/2010/main" xmlns="" w="9525">
+                <a14:hiddenLine xmlns="" xmlns:a14="http://schemas.microsoft.com/office/drawing/2010/main" w="9525">
                   <a:solidFill>
                     <a:srgbClr val="000000"/>
                   </a:solidFill>
@@ -18549,7 +18557,7 @@
           </a:ln>
           <a:extLst>
             <a:ext uri="{91240B29-F687-4f45-9708-019B960494DF}">
-              <a14:hiddenLine xmlns:a14="http://schemas.microsoft.com/office/drawing/2010/main" xmlns="" w="9525">
+              <a14:hiddenLine xmlns="" xmlns:a14="http://schemas.microsoft.com/office/drawing/2010/main" w="9525">
                 <a:solidFill>
                   <a:srgbClr val="000000"/>
                 </a:solidFill>
@@ -18707,14 +18715,14 @@
           </a:ln>
           <a:extLst>
             <a:ext uri="{909E8E84-426E-40dd-AFC4-6F175D3DCCD1}">
-              <a14:hiddenFill xmlns:a14="http://schemas.microsoft.com/office/drawing/2010/main" xmlns="">
+              <a14:hiddenFill xmlns="" xmlns:a14="http://schemas.microsoft.com/office/drawing/2010/main">
                 <a:solidFill>
                   <a:srgbClr val="FFFFFF"/>
                 </a:solidFill>
               </a14:hiddenFill>
             </a:ext>
             <a:ext uri="{91240B29-F687-4f45-9708-019B960494DF}">
-              <a14:hiddenLine xmlns:a14="http://schemas.microsoft.com/office/drawing/2010/main" xmlns="" w="9525">
+              <a14:hiddenLine xmlns="" xmlns:a14="http://schemas.microsoft.com/office/drawing/2010/main" w="9525">
                 <a:solidFill>
                   <a:srgbClr val="000000"/>
                 </a:solidFill>
@@ -20532,14 +20540,14 @@
           </a:ln>
           <a:extLst>
             <a:ext uri="{909E8E84-426E-40dd-AFC4-6F175D3DCCD1}">
-              <a14:hiddenFill xmlns="" xmlns:a14="http://schemas.microsoft.com/office/drawing/2010/main">
+              <a14:hiddenFill xmlns:a14="http://schemas.microsoft.com/office/drawing/2010/main" xmlns="">
                 <a:solidFill>
                   <a:srgbClr val="FFFFFF"/>
                 </a:solidFill>
               </a14:hiddenFill>
             </a:ext>
             <a:ext uri="{91240B29-F687-4f45-9708-019B960494DF}">
-              <a14:hiddenLine xmlns="" xmlns:a14="http://schemas.microsoft.com/office/drawing/2010/main" w="25400">
+              <a14:hiddenLine xmlns:a14="http://schemas.microsoft.com/office/drawing/2010/main" xmlns="" w="25400">
                 <a:solidFill>
                   <a:srgbClr val="000000"/>
                 </a:solidFill>
@@ -20739,14 +20747,14 @@
           </a:ln>
           <a:extLst>
             <a:ext uri="{909E8E84-426E-40dd-AFC4-6F175D3DCCD1}">
-              <a14:hiddenFill xmlns="" xmlns:a14="http://schemas.microsoft.com/office/drawing/2010/main">
+              <a14:hiddenFill xmlns:a14="http://schemas.microsoft.com/office/drawing/2010/main" xmlns="">
                 <a:solidFill>
                   <a:srgbClr val="FFFFFF"/>
                 </a:solidFill>
               </a14:hiddenFill>
             </a:ext>
             <a:ext uri="{91240B29-F687-4f45-9708-019B960494DF}">
-              <a14:hiddenLine xmlns="" xmlns:a14="http://schemas.microsoft.com/office/drawing/2010/main" w="25400">
+              <a14:hiddenLine xmlns:a14="http://schemas.microsoft.com/office/drawing/2010/main" xmlns="" w="25400">
                 <a:solidFill>
                   <a:srgbClr val="000000"/>
                 </a:solidFill>
@@ -20943,14 +20951,14 @@
           </a:ln>
           <a:extLst>
             <a:ext uri="{909E8E84-426E-40dd-AFC4-6F175D3DCCD1}">
-              <a14:hiddenFill xmlns="" xmlns:a14="http://schemas.microsoft.com/office/drawing/2010/main">
+              <a14:hiddenFill xmlns:a14="http://schemas.microsoft.com/office/drawing/2010/main" xmlns="">
                 <a:solidFill>
                   <a:srgbClr val="FFFFFF"/>
                 </a:solidFill>
               </a14:hiddenFill>
             </a:ext>
             <a:ext uri="{91240B29-F687-4f45-9708-019B960494DF}">
-              <a14:hiddenLine xmlns="" xmlns:a14="http://schemas.microsoft.com/office/drawing/2010/main" w="25400">
+              <a14:hiddenLine xmlns:a14="http://schemas.microsoft.com/office/drawing/2010/main" xmlns="" w="25400">
                 <a:solidFill>
                   <a:srgbClr val="000000"/>
                 </a:solidFill>
@@ -21147,14 +21155,14 @@
           </a:ln>
           <a:extLst>
             <a:ext uri="{909E8E84-426E-40dd-AFC4-6F175D3DCCD1}">
-              <a14:hiddenFill xmlns="" xmlns:a14="http://schemas.microsoft.com/office/drawing/2010/main">
+              <a14:hiddenFill xmlns:a14="http://schemas.microsoft.com/office/drawing/2010/main" xmlns="">
                 <a:solidFill>
                   <a:srgbClr val="FFFFFF"/>
                 </a:solidFill>
               </a14:hiddenFill>
             </a:ext>
             <a:ext uri="{91240B29-F687-4f45-9708-019B960494DF}">
-              <a14:hiddenLine xmlns="" xmlns:a14="http://schemas.microsoft.com/office/drawing/2010/main" w="25400">
+              <a14:hiddenLine xmlns:a14="http://schemas.microsoft.com/office/drawing/2010/main" xmlns="" w="25400">
                 <a:solidFill>
                   <a:srgbClr val="000000"/>
                 </a:solidFill>
@@ -21354,14 +21362,14 @@
           </a:ln>
           <a:extLst>
             <a:ext uri="{909E8E84-426E-40dd-AFC4-6F175D3DCCD1}">
-              <a14:hiddenFill xmlns="" xmlns:a14="http://schemas.microsoft.com/office/drawing/2010/main">
+              <a14:hiddenFill xmlns:a14="http://schemas.microsoft.com/office/drawing/2010/main" xmlns="">
                 <a:solidFill>
                   <a:srgbClr val="FFFFFF"/>
                 </a:solidFill>
               </a14:hiddenFill>
             </a:ext>
             <a:ext uri="{91240B29-F687-4f45-9708-019B960494DF}">
-              <a14:hiddenLine xmlns="" xmlns:a14="http://schemas.microsoft.com/office/drawing/2010/main" w="25400">
+              <a14:hiddenLine xmlns:a14="http://schemas.microsoft.com/office/drawing/2010/main" xmlns="" w="25400">
                 <a:solidFill>
                   <a:srgbClr val="000000"/>
                 </a:solidFill>
@@ -21561,14 +21569,14 @@
           </a:ln>
           <a:extLst>
             <a:ext uri="{909E8E84-426E-40dd-AFC4-6F175D3DCCD1}">
-              <a14:hiddenFill xmlns="" xmlns:a14="http://schemas.microsoft.com/office/drawing/2010/main">
+              <a14:hiddenFill xmlns:a14="http://schemas.microsoft.com/office/drawing/2010/main" xmlns="">
                 <a:solidFill>
                   <a:srgbClr val="FFFFFF"/>
                 </a:solidFill>
               </a14:hiddenFill>
             </a:ext>
             <a:ext uri="{91240B29-F687-4f45-9708-019B960494DF}">
-              <a14:hiddenLine xmlns="" xmlns:a14="http://schemas.microsoft.com/office/drawing/2010/main" w="25400">
+              <a14:hiddenLine xmlns:a14="http://schemas.microsoft.com/office/drawing/2010/main" xmlns="" w="25400">
                 <a:solidFill>
                   <a:srgbClr val="000000"/>
                 </a:solidFill>
@@ -21765,14 +21773,14 @@
           </a:ln>
           <a:extLst>
             <a:ext uri="{909E8E84-426E-40dd-AFC4-6F175D3DCCD1}">
-              <a14:hiddenFill xmlns="" xmlns:a14="http://schemas.microsoft.com/office/drawing/2010/main">
+              <a14:hiddenFill xmlns:a14="http://schemas.microsoft.com/office/drawing/2010/main" xmlns="">
                 <a:solidFill>
                   <a:srgbClr val="FFFFFF"/>
                 </a:solidFill>
               </a14:hiddenFill>
             </a:ext>
             <a:ext uri="{91240B29-F687-4f45-9708-019B960494DF}">
-              <a14:hiddenLine xmlns="" xmlns:a14="http://schemas.microsoft.com/office/drawing/2010/main" w="25400">
+              <a14:hiddenLine xmlns:a14="http://schemas.microsoft.com/office/drawing/2010/main" xmlns="" w="25400">
                 <a:solidFill>
                   <a:srgbClr val="000000"/>
                 </a:solidFill>
@@ -21969,14 +21977,14 @@
           </a:ln>
           <a:extLst>
             <a:ext uri="{909E8E84-426E-40dd-AFC4-6F175D3DCCD1}">
-              <a14:hiddenFill xmlns="" xmlns:a14="http://schemas.microsoft.com/office/drawing/2010/main">
+              <a14:hiddenFill xmlns:a14="http://schemas.microsoft.com/office/drawing/2010/main" xmlns="">
                 <a:solidFill>
                   <a:srgbClr val="FFFFFF"/>
                 </a:solidFill>
               </a14:hiddenFill>
             </a:ext>
             <a:ext uri="{91240B29-F687-4f45-9708-019B960494DF}">
-              <a14:hiddenLine xmlns="" xmlns:a14="http://schemas.microsoft.com/office/drawing/2010/main" w="25400">
+              <a14:hiddenLine xmlns:a14="http://schemas.microsoft.com/office/drawing/2010/main" xmlns="" w="25400">
                 <a:solidFill>
                   <a:srgbClr val="000000"/>
                 </a:solidFill>
@@ -22173,14 +22181,14 @@
           </a:ln>
           <a:extLst>
             <a:ext uri="{909E8E84-426E-40dd-AFC4-6F175D3DCCD1}">
-              <a14:hiddenFill xmlns="" xmlns:a14="http://schemas.microsoft.com/office/drawing/2010/main">
+              <a14:hiddenFill xmlns:a14="http://schemas.microsoft.com/office/drawing/2010/main" xmlns="">
                 <a:solidFill>
                   <a:srgbClr val="FFFFFF"/>
                 </a:solidFill>
               </a14:hiddenFill>
             </a:ext>
             <a:ext uri="{91240B29-F687-4f45-9708-019B960494DF}">
-              <a14:hiddenLine xmlns="" xmlns:a14="http://schemas.microsoft.com/office/drawing/2010/main" w="25400">
+              <a14:hiddenLine xmlns:a14="http://schemas.microsoft.com/office/drawing/2010/main" xmlns="" w="25400">
                 <a:solidFill>
                   <a:srgbClr val="000000"/>
                 </a:solidFill>
@@ -22377,14 +22385,14 @@
           </a:ln>
           <a:extLst>
             <a:ext uri="{909E8E84-426E-40dd-AFC4-6F175D3DCCD1}">
-              <a14:hiddenFill xmlns="" xmlns:a14="http://schemas.microsoft.com/office/drawing/2010/main">
+              <a14:hiddenFill xmlns:a14="http://schemas.microsoft.com/office/drawing/2010/main" xmlns="">
                 <a:solidFill>
                   <a:srgbClr val="FFFFFF"/>
                 </a:solidFill>
               </a14:hiddenFill>
             </a:ext>
             <a:ext uri="{91240B29-F687-4f45-9708-019B960494DF}">
-              <a14:hiddenLine xmlns="" xmlns:a14="http://schemas.microsoft.com/office/drawing/2010/main" w="25400">
+              <a14:hiddenLine xmlns:a14="http://schemas.microsoft.com/office/drawing/2010/main" xmlns="" w="25400">
                 <a:solidFill>
                   <a:srgbClr val="000000"/>
                 </a:solidFill>
@@ -22581,14 +22589,14 @@
           </a:ln>
           <a:extLst>
             <a:ext uri="{909E8E84-426E-40dd-AFC4-6F175D3DCCD1}">
-              <a14:hiddenFill xmlns="" xmlns:a14="http://schemas.microsoft.com/office/drawing/2010/main">
+              <a14:hiddenFill xmlns:a14="http://schemas.microsoft.com/office/drawing/2010/main" xmlns="">
                 <a:solidFill>
                   <a:srgbClr val="FFFFFF"/>
                 </a:solidFill>
               </a14:hiddenFill>
             </a:ext>
             <a:ext uri="{91240B29-F687-4f45-9708-019B960494DF}">
-              <a14:hiddenLine xmlns="" xmlns:a14="http://schemas.microsoft.com/office/drawing/2010/main" w="25400">
+              <a14:hiddenLine xmlns:a14="http://schemas.microsoft.com/office/drawing/2010/main" xmlns="" w="25400">
                 <a:solidFill>
                   <a:srgbClr val="000000"/>
                 </a:solidFill>
@@ -22752,7 +22760,7 @@
           </a:ln>
           <a:extLst>
             <a:ext uri="{909E8E84-426E-40dd-AFC4-6F175D3DCCD1}">
-              <a14:hiddenFill xmlns="" xmlns:a14="http://schemas.microsoft.com/office/drawing/2010/main">
+              <a14:hiddenFill xmlns:a14="http://schemas.microsoft.com/office/drawing/2010/main" xmlns="">
                 <a:noFill/>
               </a14:hiddenFill>
             </a:ext>
@@ -22787,7 +22795,7 @@
           </a:ln>
           <a:extLst>
             <a:ext uri="{909E8E84-426E-40dd-AFC4-6F175D3DCCD1}">
-              <a14:hiddenFill xmlns="" xmlns:a14="http://schemas.microsoft.com/office/drawing/2010/main">
+              <a14:hiddenFill xmlns:a14="http://schemas.microsoft.com/office/drawing/2010/main" xmlns="">
                 <a:noFill/>
               </a14:hiddenFill>
             </a:ext>
@@ -22822,7 +22830,7 @@
           </a:ln>
           <a:extLst>
             <a:ext uri="{909E8E84-426E-40dd-AFC4-6F175D3DCCD1}">
-              <a14:hiddenFill xmlns="" xmlns:a14="http://schemas.microsoft.com/office/drawing/2010/main">
+              <a14:hiddenFill xmlns:a14="http://schemas.microsoft.com/office/drawing/2010/main" xmlns="">
                 <a:noFill/>
               </a14:hiddenFill>
             </a:ext>
@@ -22857,7 +22865,7 @@
           </a:ln>
           <a:extLst>
             <a:ext uri="{909E8E84-426E-40dd-AFC4-6F175D3DCCD1}">
-              <a14:hiddenFill xmlns="" xmlns:a14="http://schemas.microsoft.com/office/drawing/2010/main">
+              <a14:hiddenFill xmlns:a14="http://schemas.microsoft.com/office/drawing/2010/main" xmlns="">
                 <a:noFill/>
               </a14:hiddenFill>
             </a:ext>
@@ -22892,7 +22900,7 @@
           </a:ln>
           <a:extLst>
             <a:ext uri="{909E8E84-426E-40dd-AFC4-6F175D3DCCD1}">
-              <a14:hiddenFill xmlns="" xmlns:a14="http://schemas.microsoft.com/office/drawing/2010/main">
+              <a14:hiddenFill xmlns:a14="http://schemas.microsoft.com/office/drawing/2010/main" xmlns="">
                 <a:noFill/>
               </a14:hiddenFill>
             </a:ext>
@@ -22927,7 +22935,7 @@
           </a:ln>
           <a:extLst>
             <a:ext uri="{909E8E84-426E-40dd-AFC4-6F175D3DCCD1}">
-              <a14:hiddenFill xmlns="" xmlns:a14="http://schemas.microsoft.com/office/drawing/2010/main">
+              <a14:hiddenFill xmlns:a14="http://schemas.microsoft.com/office/drawing/2010/main" xmlns="">
                 <a:noFill/>
               </a14:hiddenFill>
             </a:ext>
@@ -22962,7 +22970,7 @@
           </a:ln>
           <a:extLst>
             <a:ext uri="{909E8E84-426E-40dd-AFC4-6F175D3DCCD1}">
-              <a14:hiddenFill xmlns="" xmlns:a14="http://schemas.microsoft.com/office/drawing/2010/main">
+              <a14:hiddenFill xmlns:a14="http://schemas.microsoft.com/office/drawing/2010/main" xmlns="">
                 <a:noFill/>
               </a14:hiddenFill>
             </a:ext>
@@ -23049,14 +23057,14 @@
             </a:ln>
             <a:extLst>
               <a:ext uri="{909E8E84-426E-40dd-AFC4-6F175D3DCCD1}">
-                <a14:hiddenFill xmlns="" xmlns:a14="http://schemas.microsoft.com/office/drawing/2010/main">
+                <a14:hiddenFill xmlns:a14="http://schemas.microsoft.com/office/drawing/2010/main" xmlns="">
                   <a:solidFill>
                     <a:srgbClr val="FFFFFF"/>
                   </a:solidFill>
                 </a14:hiddenFill>
               </a:ext>
               <a:ext uri="{91240B29-F687-4f45-9708-019B960494DF}">
-                <a14:hiddenLine xmlns="" xmlns:a14="http://schemas.microsoft.com/office/drawing/2010/main" w="25400">
+                <a14:hiddenLine xmlns:a14="http://schemas.microsoft.com/office/drawing/2010/main" xmlns="" w="25400">
                   <a:solidFill>
                     <a:srgbClr val="000000"/>
                   </a:solidFill>
@@ -23259,14 +23267,14 @@
             </a:ln>
             <a:extLst>
               <a:ext uri="{909E8E84-426E-40dd-AFC4-6F175D3DCCD1}">
-                <a14:hiddenFill xmlns="" xmlns:a14="http://schemas.microsoft.com/office/drawing/2010/main">
+                <a14:hiddenFill xmlns:a14="http://schemas.microsoft.com/office/drawing/2010/main" xmlns="">
                   <a:solidFill>
                     <a:srgbClr val="FFFFFF"/>
                   </a:solidFill>
                 </a14:hiddenFill>
               </a:ext>
               <a:ext uri="{91240B29-F687-4f45-9708-019B960494DF}">
-                <a14:hiddenLine xmlns="" xmlns:a14="http://schemas.microsoft.com/office/drawing/2010/main" w="25400">
+                <a14:hiddenLine xmlns:a14="http://schemas.microsoft.com/office/drawing/2010/main" xmlns="" w="25400">
                   <a:solidFill>
                     <a:srgbClr val="000000"/>
                   </a:solidFill>
@@ -23433,7 +23441,7 @@
             </a:ln>
             <a:extLst>
               <a:ext uri="{909E8E84-426E-40dd-AFC4-6F175D3DCCD1}">
-                <a14:hiddenFill xmlns="" xmlns:a14="http://schemas.microsoft.com/office/drawing/2010/main">
+                <a14:hiddenFill xmlns:a14="http://schemas.microsoft.com/office/drawing/2010/main" xmlns="">
                   <a:noFill/>
                 </a14:hiddenFill>
               </a:ext>
@@ -23463,14 +23471,14 @@
           </a:ln>
           <a:extLst>
             <a:ext uri="{909E8E84-426E-40dd-AFC4-6F175D3DCCD1}">
-              <a14:hiddenFill xmlns="" xmlns:a14="http://schemas.microsoft.com/office/drawing/2010/main">
+              <a14:hiddenFill xmlns:a14="http://schemas.microsoft.com/office/drawing/2010/main" xmlns="">
                 <a:solidFill>
                   <a:srgbClr val="FFFFFF"/>
                 </a:solidFill>
               </a14:hiddenFill>
             </a:ext>
             <a:ext uri="{91240B29-F687-4f45-9708-019B960494DF}">
-              <a14:hiddenLine xmlns="" xmlns:a14="http://schemas.microsoft.com/office/drawing/2010/main" w="12700">
+              <a14:hiddenLine xmlns:a14="http://schemas.microsoft.com/office/drawing/2010/main" xmlns="" w="12700">
                 <a:solidFill>
                   <a:srgbClr val="000000"/>
                 </a:solidFill>
@@ -23631,14 +23639,14 @@
           </a:ln>
           <a:extLst>
             <a:ext uri="{909E8E84-426E-40dd-AFC4-6F175D3DCCD1}">
-              <a14:hiddenFill xmlns="" xmlns:a14="http://schemas.microsoft.com/office/drawing/2010/main">
+              <a14:hiddenFill xmlns:a14="http://schemas.microsoft.com/office/drawing/2010/main" xmlns="">
                 <a:solidFill>
                   <a:srgbClr val="FFFFFF"/>
                 </a:solidFill>
               </a14:hiddenFill>
             </a:ext>
             <a:ext uri="{91240B29-F687-4f45-9708-019B960494DF}">
-              <a14:hiddenLine xmlns="" xmlns:a14="http://schemas.microsoft.com/office/drawing/2010/main" w="12700">
+              <a14:hiddenLine xmlns:a14="http://schemas.microsoft.com/office/drawing/2010/main" xmlns="" w="12700">
                 <a:solidFill>
                   <a:srgbClr val="000000"/>
                 </a:solidFill>
@@ -23799,14 +23807,14 @@
           </a:ln>
           <a:extLst>
             <a:ext uri="{909E8E84-426E-40dd-AFC4-6F175D3DCCD1}">
-              <a14:hiddenFill xmlns="" xmlns:a14="http://schemas.microsoft.com/office/drawing/2010/main">
+              <a14:hiddenFill xmlns:a14="http://schemas.microsoft.com/office/drawing/2010/main" xmlns="">
                 <a:solidFill>
                   <a:srgbClr val="FFFFFF"/>
                 </a:solidFill>
               </a14:hiddenFill>
             </a:ext>
             <a:ext uri="{91240B29-F687-4f45-9708-019B960494DF}">
-              <a14:hiddenLine xmlns="" xmlns:a14="http://schemas.microsoft.com/office/drawing/2010/main" w="12700">
+              <a14:hiddenLine xmlns:a14="http://schemas.microsoft.com/office/drawing/2010/main" xmlns="" w="12700">
                 <a:solidFill>
                   <a:srgbClr val="000000"/>
                 </a:solidFill>
@@ -24076,7 +24084,7 @@
           </a:ln>
           <a:extLst>
             <a:ext uri="{909E8E84-426E-40dd-AFC4-6F175D3DCCD1}">
-              <a14:hiddenFill xmlns="" xmlns:a14="http://schemas.microsoft.com/office/drawing/2010/main">
+              <a14:hiddenFill xmlns:a14="http://schemas.microsoft.com/office/drawing/2010/main" xmlns="">
                 <a:solidFill>
                   <a:srgbClr val="FFFFFF"/>
                 </a:solidFill>
@@ -24591,7 +24599,7 @@
           </a:ln>
           <a:extLst>
             <a:ext uri="{91240B29-F687-4f45-9708-019B960494DF}">
-              <a14:hiddenLine xmlns="" xmlns:a14="http://schemas.microsoft.com/office/drawing/2010/main" w="9525">
+              <a14:hiddenLine xmlns:a14="http://schemas.microsoft.com/office/drawing/2010/main" xmlns="" w="9525">
                 <a:solidFill>
                   <a:srgbClr val="000000"/>
                 </a:solidFill>
@@ -24637,7 +24645,7 @@
           </a:ln>
           <a:extLst>
             <a:ext uri="{909E8E84-426E-40dd-AFC4-6F175D3DCCD1}">
-              <a14:hiddenFill xmlns="" xmlns:a14="http://schemas.microsoft.com/office/drawing/2010/main">
+              <a14:hiddenFill xmlns:a14="http://schemas.microsoft.com/office/drawing/2010/main" xmlns="">
                 <a:noFill/>
               </a14:hiddenFill>
             </a:ext>
@@ -24678,7 +24686,7 @@
           </a:ln>
           <a:extLst>
             <a:ext uri="{909E8E84-426E-40dd-AFC4-6F175D3DCCD1}">
-              <a14:hiddenFill xmlns="" xmlns:a14="http://schemas.microsoft.com/office/drawing/2010/main">
+              <a14:hiddenFill xmlns:a14="http://schemas.microsoft.com/office/drawing/2010/main" xmlns="">
                 <a:noFill/>
               </a14:hiddenFill>
             </a:ext>
@@ -24719,7 +24727,7 @@
           </a:ln>
           <a:extLst>
             <a:ext uri="{909E8E84-426E-40dd-AFC4-6F175D3DCCD1}">
-              <a14:hiddenFill xmlns="" xmlns:a14="http://schemas.microsoft.com/office/drawing/2010/main">
+              <a14:hiddenFill xmlns:a14="http://schemas.microsoft.com/office/drawing/2010/main" xmlns="">
                 <a:noFill/>
               </a14:hiddenFill>
             </a:ext>
@@ -24755,14 +24763,14 @@
           </a:ln>
           <a:extLst>
             <a:ext uri="{909E8E84-426E-40dd-AFC4-6F175D3DCCD1}">
-              <a14:hiddenFill xmlns="" xmlns:a14="http://schemas.microsoft.com/office/drawing/2010/main">
+              <a14:hiddenFill xmlns:a14="http://schemas.microsoft.com/office/drawing/2010/main" xmlns="">
                 <a:solidFill>
                   <a:srgbClr val="FFFFFF"/>
                 </a:solidFill>
               </a14:hiddenFill>
             </a:ext>
             <a:ext uri="{91240B29-F687-4f45-9708-019B960494DF}">
-              <a14:hiddenLine xmlns="" xmlns:a14="http://schemas.microsoft.com/office/drawing/2010/main" w="9525">
+              <a14:hiddenLine xmlns:a14="http://schemas.microsoft.com/office/drawing/2010/main" xmlns="" w="9525">
                 <a:solidFill>
                   <a:srgbClr val="000000"/>
                 </a:solidFill>
@@ -24921,14 +24929,14 @@
           </a:ln>
           <a:extLst>
             <a:ext uri="{909E8E84-426E-40dd-AFC4-6F175D3DCCD1}">
-              <a14:hiddenFill xmlns="" xmlns:a14="http://schemas.microsoft.com/office/drawing/2010/main">
+              <a14:hiddenFill xmlns:a14="http://schemas.microsoft.com/office/drawing/2010/main" xmlns="">
                 <a:solidFill>
                   <a:srgbClr val="FFFFFF"/>
                 </a:solidFill>
               </a14:hiddenFill>
             </a:ext>
             <a:ext uri="{91240B29-F687-4f45-9708-019B960494DF}">
-              <a14:hiddenLine xmlns="" xmlns:a14="http://schemas.microsoft.com/office/drawing/2010/main" w="9525">
+              <a14:hiddenLine xmlns:a14="http://schemas.microsoft.com/office/drawing/2010/main" xmlns="" w="9525">
                 <a:solidFill>
                   <a:srgbClr val="000000"/>
                 </a:solidFill>
@@ -25116,14 +25124,14 @@
             </a:ln>
             <a:extLst>
               <a:ext uri="{909E8E84-426E-40dd-AFC4-6F175D3DCCD1}">
-                <a14:hiddenFill xmlns="" xmlns:a14="http://schemas.microsoft.com/office/drawing/2010/main">
+                <a14:hiddenFill xmlns:a14="http://schemas.microsoft.com/office/drawing/2010/main" xmlns="">
                   <a:solidFill>
                     <a:srgbClr val="FFFFFF"/>
                   </a:solidFill>
                 </a14:hiddenFill>
               </a:ext>
               <a:ext uri="{91240B29-F687-4f45-9708-019B960494DF}">
-                <a14:hiddenLine xmlns="" xmlns:a14="http://schemas.microsoft.com/office/drawing/2010/main" w="9525">
+                <a14:hiddenLine xmlns:a14="http://schemas.microsoft.com/office/drawing/2010/main" xmlns="" w="9525">
                   <a:solidFill>
                     <a:srgbClr val="000000"/>
                   </a:solidFill>
@@ -25224,7 +25232,7 @@
             <a:effectLst/>
             <a:extLst>
               <a:ext uri="{91240B29-F687-4f45-9708-019B960494DF}">
-                <a14:hiddenLine xmlns="" xmlns:a14="http://schemas.microsoft.com/office/drawing/2010/main" w="9525" cap="flat" cmpd="sng">
+                <a14:hiddenLine xmlns:a14="http://schemas.microsoft.com/office/drawing/2010/main" xmlns="" w="9525" cap="flat" cmpd="sng">
                   <a:solidFill>
                     <a:schemeClr val="tx1"/>
                   </a:solidFill>
@@ -25235,7 +25243,7 @@
                 </a14:hiddenLine>
               </a:ext>
               <a:ext uri="{AF507438-7753-43e0-B8FC-AC1667EBCBE1}">
-                <a14:hiddenEffects xmlns="" xmlns:a14="http://schemas.microsoft.com/office/drawing/2010/main">
+                <a14:hiddenEffects xmlns:a14="http://schemas.microsoft.com/office/drawing/2010/main" xmlns="">
                   <a:effectLst>
                     <a:outerShdw dist="35921" dir="2700000" algn="ctr" rotWithShape="0">
                       <a:schemeClr val="bg2"/>
@@ -25321,14 +25329,14 @@
               </a:ln>
               <a:extLst>
                 <a:ext uri="{909E8E84-426E-40dd-AFC4-6F175D3DCCD1}">
-                  <a14:hiddenFill xmlns="" xmlns:a14="http://schemas.microsoft.com/office/drawing/2010/main">
+                  <a14:hiddenFill xmlns:a14="http://schemas.microsoft.com/office/drawing/2010/main" xmlns="">
                     <a:solidFill>
                       <a:srgbClr val="FFFFFF"/>
                     </a:solidFill>
                   </a14:hiddenFill>
                 </a:ext>
                 <a:ext uri="{91240B29-F687-4f45-9708-019B960494DF}">
-                  <a14:hiddenLine xmlns="" xmlns:a14="http://schemas.microsoft.com/office/drawing/2010/main" w="9525">
+                  <a14:hiddenLine xmlns:a14="http://schemas.microsoft.com/office/drawing/2010/main" xmlns="" w="9525">
                     <a:solidFill>
                       <a:srgbClr val="000000"/>
                     </a:solidFill>
@@ -25429,7 +25437,7 @@
               <a:effectLst/>
               <a:extLst>
                 <a:ext uri="{91240B29-F687-4f45-9708-019B960494DF}">
-                  <a14:hiddenLine xmlns="" xmlns:a14="http://schemas.microsoft.com/office/drawing/2010/main" w="9525" cap="flat" cmpd="sng">
+                  <a14:hiddenLine xmlns:a14="http://schemas.microsoft.com/office/drawing/2010/main" xmlns="" w="9525" cap="flat" cmpd="sng">
                     <a:solidFill>
                       <a:schemeClr val="tx1"/>
                     </a:solidFill>
@@ -25440,7 +25448,7 @@
                   </a14:hiddenLine>
                 </a:ext>
                 <a:ext uri="{AF507438-7753-43e0-B8FC-AC1667EBCBE1}">
-                  <a14:hiddenEffects xmlns="" xmlns:a14="http://schemas.microsoft.com/office/drawing/2010/main">
+                  <a14:hiddenEffects xmlns:a14="http://schemas.microsoft.com/office/drawing/2010/main" xmlns="">
                     <a:effectLst>
                       <a:outerShdw dist="35921" dir="2700000" algn="ctr" rotWithShape="0">
                         <a:schemeClr val="bg2"/>
@@ -25502,7 +25510,7 @@
               </a:ln>
               <a:extLst>
                 <a:ext uri="{909E8E84-426E-40dd-AFC4-6F175D3DCCD1}">
-                  <a14:hiddenFill xmlns="" xmlns:a14="http://schemas.microsoft.com/office/drawing/2010/main">
+                  <a14:hiddenFill xmlns:a14="http://schemas.microsoft.com/office/drawing/2010/main" xmlns="">
                     <a:noFill/>
                   </a14:hiddenFill>
                 </a:ext>
@@ -25610,7 +25618,7 @@
                 </a:ln>
                 <a:extLst>
                   <a:ext uri="{91240B29-F687-4f45-9708-019B960494DF}">
-                    <a14:hiddenLine xmlns="" xmlns:a14="http://schemas.microsoft.com/office/drawing/2010/main" w="12700">
+                    <a14:hiddenLine xmlns:a14="http://schemas.microsoft.com/office/drawing/2010/main" xmlns="" w="12700">
                       <a:solidFill>
                         <a:srgbClr val="000000"/>
                       </a:solidFill>
@@ -25768,14 +25776,14 @@
                   <a:effectLst/>
                   <a:extLst>
                     <a:ext uri="{909E8E84-426E-40dd-AFC4-6F175D3DCCD1}">
-                      <a14:hiddenFill xmlns="" xmlns:a14="http://schemas.microsoft.com/office/drawing/2010/main">
+                      <a14:hiddenFill xmlns:a14="http://schemas.microsoft.com/office/drawing/2010/main" xmlns="">
                         <a:solidFill>
                           <a:schemeClr val="accent1"/>
                         </a:solidFill>
                       </a14:hiddenFill>
                     </a:ext>
                     <a:ext uri="{AF507438-7753-43e0-B8FC-AC1667EBCBE1}">
-                      <a14:hiddenEffects xmlns="" xmlns:a14="http://schemas.microsoft.com/office/drawing/2010/main">
+                      <a14:hiddenEffects xmlns:a14="http://schemas.microsoft.com/office/drawing/2010/main" xmlns="">
                         <a:effectLst>
                           <a:outerShdw dist="35921" dir="2700000" algn="ctr" rotWithShape="0">
                             <a:schemeClr val="bg2"/>
@@ -25867,14 +25875,14 @@
                   <a:effectLst/>
                   <a:extLst>
                     <a:ext uri="{909E8E84-426E-40dd-AFC4-6F175D3DCCD1}">
-                      <a14:hiddenFill xmlns="" xmlns:a14="http://schemas.microsoft.com/office/drawing/2010/main">
+                      <a14:hiddenFill xmlns:a14="http://schemas.microsoft.com/office/drawing/2010/main" xmlns="">
                         <a:solidFill>
                           <a:schemeClr val="accent1"/>
                         </a:solidFill>
                       </a14:hiddenFill>
                     </a:ext>
                     <a:ext uri="{AF507438-7753-43e0-B8FC-AC1667EBCBE1}">
-                      <a14:hiddenEffects xmlns="" xmlns:a14="http://schemas.microsoft.com/office/drawing/2010/main">
+                      <a14:hiddenEffects xmlns:a14="http://schemas.microsoft.com/office/drawing/2010/main" xmlns="">
                         <a:effectLst>
                           <a:outerShdw dist="35921" dir="2700000" algn="ctr" rotWithShape="0">
                             <a:schemeClr val="bg2"/>
@@ -25921,12 +25929,12 @@
                 <a:effectLst/>
                 <a:extLst>
                   <a:ext uri="{909E8E84-426E-40dd-AFC4-6F175D3DCCD1}">
-                    <a14:hiddenFill xmlns="" xmlns:a14="http://schemas.microsoft.com/office/drawing/2010/main">
+                    <a14:hiddenFill xmlns:a14="http://schemas.microsoft.com/office/drawing/2010/main" xmlns="">
                       <a:noFill/>
                     </a14:hiddenFill>
                   </a:ext>
                   <a:ext uri="{AF507438-7753-43e0-B8FC-AC1667EBCBE1}">
-                    <a14:hiddenEffects xmlns="" xmlns:a14="http://schemas.microsoft.com/office/drawing/2010/main">
+                    <a14:hiddenEffects xmlns:a14="http://schemas.microsoft.com/office/drawing/2010/main" xmlns="">
                       <a:effectLst>
                         <a:outerShdw blurRad="63500" dist="38099" dir="2700000" algn="ctr" rotWithShape="0">
                           <a:schemeClr val="bg2">
@@ -25979,12 +25987,12 @@
                 <a:effectLst/>
                 <a:extLst>
                   <a:ext uri="{909E8E84-426E-40dd-AFC4-6F175D3DCCD1}">
-                    <a14:hiddenFill xmlns="" xmlns:a14="http://schemas.microsoft.com/office/drawing/2010/main">
+                    <a14:hiddenFill xmlns:a14="http://schemas.microsoft.com/office/drawing/2010/main" xmlns="">
                       <a:noFill/>
                     </a14:hiddenFill>
                   </a:ext>
                   <a:ext uri="{AF507438-7753-43e0-B8FC-AC1667EBCBE1}">
-                    <a14:hiddenEffects xmlns="" xmlns:a14="http://schemas.microsoft.com/office/drawing/2010/main">
+                    <a14:hiddenEffects xmlns:a14="http://schemas.microsoft.com/office/drawing/2010/main" xmlns="">
                       <a:effectLst>
                         <a:outerShdw blurRad="63500" dist="38099" dir="2700000" algn="ctr" rotWithShape="0">
                           <a:schemeClr val="bg2">
@@ -26106,7 +26114,7 @@
             </a:ln>
             <a:extLst>
               <a:ext uri="{91240B29-F687-4f45-9708-019B960494DF}">
-                <a14:hiddenLine xmlns="" xmlns:a14="http://schemas.microsoft.com/office/drawing/2010/main" w="12700">
+                <a14:hiddenLine xmlns:a14="http://schemas.microsoft.com/office/drawing/2010/main" xmlns="" w="12700">
                   <a:solidFill>
                     <a:srgbClr val="000000"/>
                   </a:solidFill>
@@ -26264,14 +26272,14 @@
               <a:effectLst/>
               <a:extLst>
                 <a:ext uri="{909E8E84-426E-40dd-AFC4-6F175D3DCCD1}">
-                  <a14:hiddenFill xmlns="" xmlns:a14="http://schemas.microsoft.com/office/drawing/2010/main">
+                  <a14:hiddenFill xmlns:a14="http://schemas.microsoft.com/office/drawing/2010/main" xmlns="">
                     <a:solidFill>
                       <a:schemeClr val="accent1"/>
                     </a:solidFill>
                   </a14:hiddenFill>
                 </a:ext>
                 <a:ext uri="{AF507438-7753-43e0-B8FC-AC1667EBCBE1}">
-                  <a14:hiddenEffects xmlns="" xmlns:a14="http://schemas.microsoft.com/office/drawing/2010/main">
+                  <a14:hiddenEffects xmlns:a14="http://schemas.microsoft.com/office/drawing/2010/main" xmlns="">
                     <a:effectLst>
                       <a:outerShdw dist="35921" dir="2700000" algn="ctr" rotWithShape="0">
                         <a:schemeClr val="bg2"/>
@@ -26363,14 +26371,14 @@
               <a:effectLst/>
               <a:extLst>
                 <a:ext uri="{909E8E84-426E-40dd-AFC4-6F175D3DCCD1}">
-                  <a14:hiddenFill xmlns="" xmlns:a14="http://schemas.microsoft.com/office/drawing/2010/main">
+                  <a14:hiddenFill xmlns:a14="http://schemas.microsoft.com/office/drawing/2010/main" xmlns="">
                     <a:solidFill>
                       <a:schemeClr val="accent1"/>
                     </a:solidFill>
                   </a14:hiddenFill>
                 </a:ext>
                 <a:ext uri="{AF507438-7753-43e0-B8FC-AC1667EBCBE1}">
-                  <a14:hiddenEffects xmlns="" xmlns:a14="http://schemas.microsoft.com/office/drawing/2010/main">
+                  <a14:hiddenEffects xmlns:a14="http://schemas.microsoft.com/office/drawing/2010/main" xmlns="">
                     <a:effectLst>
                       <a:outerShdw dist="35921" dir="2700000" algn="ctr" rotWithShape="0">
                         <a:schemeClr val="bg2"/>
@@ -26417,12 +26425,12 @@
             <a:effectLst/>
             <a:extLst>
               <a:ext uri="{909E8E84-426E-40dd-AFC4-6F175D3DCCD1}">
-                <a14:hiddenFill xmlns="" xmlns:a14="http://schemas.microsoft.com/office/drawing/2010/main">
+                <a14:hiddenFill xmlns:a14="http://schemas.microsoft.com/office/drawing/2010/main" xmlns="">
                   <a:noFill/>
                 </a14:hiddenFill>
               </a:ext>
               <a:ext uri="{AF507438-7753-43e0-B8FC-AC1667EBCBE1}">
-                <a14:hiddenEffects xmlns="" xmlns:a14="http://schemas.microsoft.com/office/drawing/2010/main">
+                <a14:hiddenEffects xmlns:a14="http://schemas.microsoft.com/office/drawing/2010/main" xmlns="">
                   <a:effectLst>
                     <a:outerShdw blurRad="63500" dist="38099" dir="2700000" algn="ctr" rotWithShape="0">
                       <a:schemeClr val="bg2">
@@ -26475,12 +26483,12 @@
             <a:effectLst/>
             <a:extLst>
               <a:ext uri="{909E8E84-426E-40dd-AFC4-6F175D3DCCD1}">
-                <a14:hiddenFill xmlns="" xmlns:a14="http://schemas.microsoft.com/office/drawing/2010/main">
+                <a14:hiddenFill xmlns:a14="http://schemas.microsoft.com/office/drawing/2010/main" xmlns="">
                   <a:noFill/>
                 </a14:hiddenFill>
               </a:ext>
               <a:ext uri="{AF507438-7753-43e0-B8FC-AC1667EBCBE1}">
-                <a14:hiddenEffects xmlns="" xmlns:a14="http://schemas.microsoft.com/office/drawing/2010/main">
+                <a14:hiddenEffects xmlns:a14="http://schemas.microsoft.com/office/drawing/2010/main" xmlns="">
                   <a:effectLst>
                     <a:outerShdw blurRad="63500" dist="38099" dir="2700000" algn="ctr" rotWithShape="0">
                       <a:schemeClr val="bg2">
@@ -29242,8 +29250,16 @@
           <a:lstStyle/>
           <a:p>
             <a:r>
+              <a:rPr lang="en-US" smtClean="0"/>
+              <a:t>Another </a:t>
+            </a:r>
+            <a:r>
+              <a:rPr lang="en-US" smtClean="0"/>
+              <a:t>AS </a:t>
+            </a:r>
+            <a:r>
               <a:rPr lang="en-US" dirty="0" smtClean="0"/>
-              <a:t>Another OS originates the prefix</a:t>
+              <a:t>originates the prefix</a:t>
             </a:r>
           </a:p>
           <a:p>
@@ -32297,7 +32313,19 @@
             </a:r>
             <a:r>
               <a:rPr lang="en-US" dirty="0" smtClean="0"/>
-              <a:t>: Final overview</a:t>
+              <a:t>: </a:t>
+            </a:r>
+            <a:r>
+              <a:rPr lang="en-US" altLang="zh-CN" dirty="0"/>
+              <a:t>f</a:t>
+            </a:r>
+            <a:r>
+              <a:rPr lang="en-US" dirty="0" smtClean="0"/>
+              <a:t>inal </a:t>
+            </a:r>
+            <a:r>
+              <a:rPr lang="en-US" altLang="zh-CN" dirty="0" smtClean="0"/>
+              <a:t>review</a:t>
             </a:r>
             <a:endParaRPr lang="en-US" dirty="0"/>
           </a:p>
@@ -32495,7 +32523,9 @@
         </p:nvSpPr>
         <p:spPr/>
         <p:txBody>
-          <a:bodyPr/>
+          <a:bodyPr>
+            <a:normAutofit/>
+          </a:bodyPr>
           <a:lstStyle/>
           <a:p>
             <a:r>
@@ -32610,8 +32640,27 @@
           <a:p>
             <a:pPr lvl="1"/>
             <a:r>
+              <a:rPr lang="en-US" dirty="0"/>
+              <a:t>Redundancy, </a:t>
+            </a:r>
+            <a:r>
+              <a:rPr lang="en-US" dirty="0" err="1"/>
+              <a:t>DoS</a:t>
+            </a:r>
+            <a:r>
+              <a:rPr lang="en-US" dirty="0"/>
+              <a:t>/DDoS prevention</a:t>
+            </a:r>
+          </a:p>
+          <a:p>
+            <a:pPr lvl="1"/>
+            <a:r>
               <a:rPr lang="en-US" dirty="0" smtClean="0"/>
-              <a:t>Only we can </a:t>
+              <a:t>Only </a:t>
+            </a:r>
+            <a:r>
+              <a:rPr lang="en-US" dirty="0" smtClean="0"/>
+              <a:t>we can </a:t>
             </a:r>
             <a:r>
               <a:rPr lang="en-US" dirty="0" smtClean="0">
@@ -32631,23 +32680,13 @@
             </a:r>
             <a:r>
               <a:rPr lang="en-US" dirty="0" smtClean="0"/>
-              <a:t>our data and communicate on our behalf</a:t>
-            </a:r>
-          </a:p>
-          <a:p>
-            <a:pPr lvl="1"/>
+              <a:t>our data and communicate on our </a:t>
+            </a:r>
             <a:r>
               <a:rPr lang="en-US" dirty="0" smtClean="0"/>
-              <a:t>Redundancy, </a:t>
-            </a:r>
-            <a:r>
-              <a:rPr lang="en-US" dirty="0" err="1" smtClean="0"/>
-              <a:t>DoS</a:t>
-            </a:r>
-            <a:r>
-              <a:rPr lang="en-US" dirty="0" smtClean="0"/>
-              <a:t>/DDoS prevention</a:t>
-            </a:r>
+              <a:t>behalf</a:t>
+            </a:r>
+            <a:endParaRPr lang="en-US" dirty="0" smtClean="0"/>
           </a:p>
         </p:txBody>
       </p:sp>
@@ -33329,7 +33368,7 @@
           </a:ln>
           <a:extLst>
             <a:ext uri="{91240B29-F687-4f45-9708-019B960494DF}">
-              <a14:hiddenLine xmlns="" xmlns:a14="http://schemas.microsoft.com/office/drawing/2010/main" w="9525">
+              <a14:hiddenLine xmlns:a14="http://schemas.microsoft.com/office/drawing/2010/main" xmlns="" w="9525">
                 <a:solidFill>
                   <a:srgbClr val="000000"/>
                 </a:solidFill>
@@ -33540,7 +33579,7 @@
           </a:ln>
           <a:extLst>
             <a:ext uri="{91240B29-F687-4f45-9708-019B960494DF}">
-              <a14:hiddenLine xmlns="" xmlns:a14="http://schemas.microsoft.com/office/drawing/2010/main" w="9525">
+              <a14:hiddenLine xmlns:a14="http://schemas.microsoft.com/office/drawing/2010/main" xmlns="" w="9525">
                 <a:solidFill>
                   <a:srgbClr val="000000"/>
                 </a:solidFill>
@@ -33751,7 +33790,7 @@
           </a:ln>
           <a:extLst>
             <a:ext uri="{91240B29-F687-4f45-9708-019B960494DF}">
-              <a14:hiddenLine xmlns="" xmlns:a14="http://schemas.microsoft.com/office/drawing/2010/main" w="9525">
+              <a14:hiddenLine xmlns:a14="http://schemas.microsoft.com/office/drawing/2010/main" xmlns="" w="9525">
                 <a:solidFill>
                   <a:srgbClr val="000000"/>
                 </a:solidFill>
@@ -33962,7 +34001,7 @@
           </a:ln>
           <a:extLst>
             <a:ext uri="{91240B29-F687-4f45-9708-019B960494DF}">
-              <a14:hiddenLine xmlns="" xmlns:a14="http://schemas.microsoft.com/office/drawing/2010/main" w="9525">
+              <a14:hiddenLine xmlns:a14="http://schemas.microsoft.com/office/drawing/2010/main" xmlns="" w="9525">
                 <a:solidFill>
                   <a:srgbClr val="000000"/>
                 </a:solidFill>
@@ -34212,7 +34251,7 @@
           </a:ln>
           <a:extLst>
             <a:ext uri="{91240B29-F687-4f45-9708-019B960494DF}">
-              <a14:hiddenLine xmlns="" xmlns:a14="http://schemas.microsoft.com/office/drawing/2010/main" w="9525">
+              <a14:hiddenLine xmlns:a14="http://schemas.microsoft.com/office/drawing/2010/main" xmlns="" w="9525">
                 <a:solidFill>
                   <a:srgbClr val="000000"/>
                 </a:solidFill>
@@ -34379,14 +34418,14 @@
           </a:ln>
           <a:extLst>
             <a:ext uri="{909E8E84-426E-40dd-AFC4-6F175D3DCCD1}">
-              <a14:hiddenFill xmlns="" xmlns:a14="http://schemas.microsoft.com/office/drawing/2010/main">
+              <a14:hiddenFill xmlns:a14="http://schemas.microsoft.com/office/drawing/2010/main" xmlns="">
                 <a:solidFill>
                   <a:srgbClr val="FFFFFF"/>
                 </a:solidFill>
               </a14:hiddenFill>
             </a:ext>
             <a:ext uri="{91240B29-F687-4f45-9708-019B960494DF}">
-              <a14:hiddenLine xmlns="" xmlns:a14="http://schemas.microsoft.com/office/drawing/2010/main" w="9525">
+              <a14:hiddenLine xmlns:a14="http://schemas.microsoft.com/office/drawing/2010/main" xmlns="" w="9525">
                 <a:solidFill>
                   <a:srgbClr val="000000"/>
                 </a:solidFill>
@@ -34558,7 +34597,7 @@
           </a:ln>
           <a:extLst>
             <a:ext uri="{909E8E84-426E-40dd-AFC4-6F175D3DCCD1}">
-              <a14:hiddenFill xmlns="" xmlns:a14="http://schemas.microsoft.com/office/drawing/2010/main">
+              <a14:hiddenFill xmlns:a14="http://schemas.microsoft.com/office/drawing/2010/main" xmlns="">
                 <a:noFill/>
               </a14:hiddenFill>
             </a:ext>
@@ -34599,7 +34638,7 @@
           </a:ln>
           <a:extLst>
             <a:ext uri="{909E8E84-426E-40dd-AFC4-6F175D3DCCD1}">
-              <a14:hiddenFill xmlns="" xmlns:a14="http://schemas.microsoft.com/office/drawing/2010/main">
+              <a14:hiddenFill xmlns:a14="http://schemas.microsoft.com/office/drawing/2010/main" xmlns="">
                 <a:noFill/>
               </a14:hiddenFill>
             </a:ext>
@@ -34640,7 +34679,7 @@
           </a:ln>
           <a:extLst>
             <a:ext uri="{91240B29-F687-4f45-9708-019B960494DF}">
-              <a14:hiddenLine xmlns="" xmlns:a14="http://schemas.microsoft.com/office/drawing/2010/main" w="9525">
+              <a14:hiddenLine xmlns:a14="http://schemas.microsoft.com/office/drawing/2010/main" xmlns="" w="9525">
                 <a:solidFill>
                   <a:srgbClr val="000000"/>
                 </a:solidFill>
@@ -34812,7 +34851,7 @@
           </a:ln>
           <a:extLst>
             <a:ext uri="{91240B29-F687-4f45-9708-019B960494DF}">
-              <a14:hiddenLine xmlns="" xmlns:a14="http://schemas.microsoft.com/office/drawing/2010/main" w="9525">
+              <a14:hiddenLine xmlns:a14="http://schemas.microsoft.com/office/drawing/2010/main" xmlns="" w="9525">
                 <a:solidFill>
                   <a:srgbClr val="000000"/>
                 </a:solidFill>
@@ -35062,7 +35101,7 @@
           </a:ln>
           <a:extLst>
             <a:ext uri="{91240B29-F687-4f45-9708-019B960494DF}">
-              <a14:hiddenLine xmlns="" xmlns:a14="http://schemas.microsoft.com/office/drawing/2010/main" w="9525">
+              <a14:hiddenLine xmlns:a14="http://schemas.microsoft.com/office/drawing/2010/main" xmlns="" w="9525">
                 <a:solidFill>
                   <a:srgbClr val="000000"/>
                 </a:solidFill>
@@ -35234,7 +35273,7 @@
           </a:ln>
           <a:extLst>
             <a:ext uri="{91240B29-F687-4f45-9708-019B960494DF}">
-              <a14:hiddenLine xmlns="" xmlns:a14="http://schemas.microsoft.com/office/drawing/2010/main" w="9525">
+              <a14:hiddenLine xmlns:a14="http://schemas.microsoft.com/office/drawing/2010/main" xmlns="" w="9525">
                 <a:solidFill>
                   <a:srgbClr val="000000"/>
                 </a:solidFill>
@@ -35445,7 +35484,7 @@
           </a:ln>
           <a:extLst>
             <a:ext uri="{91240B29-F687-4f45-9708-019B960494DF}">
-              <a14:hiddenLine xmlns="" xmlns:a14="http://schemas.microsoft.com/office/drawing/2010/main" w="9525">
+              <a14:hiddenLine xmlns:a14="http://schemas.microsoft.com/office/drawing/2010/main" xmlns="" w="9525">
                 <a:solidFill>
                   <a:srgbClr val="000000"/>
                 </a:solidFill>
@@ -35722,7 +35761,7 @@
           </a:ln>
           <a:extLst>
             <a:ext uri="{909E8E84-426E-40dd-AFC4-6F175D3DCCD1}">
-              <a14:hiddenFill xmlns="" xmlns:a14="http://schemas.microsoft.com/office/drawing/2010/main">
+              <a14:hiddenFill xmlns:a14="http://schemas.microsoft.com/office/drawing/2010/main" xmlns="">
                 <a:noFill/>
               </a14:hiddenFill>
             </a:ext>
@@ -35758,14 +35797,14 @@
           </a:ln>
           <a:extLst>
             <a:ext uri="{909E8E84-426E-40dd-AFC4-6F175D3DCCD1}">
-              <a14:hiddenFill xmlns="" xmlns:a14="http://schemas.microsoft.com/office/drawing/2010/main">
+              <a14:hiddenFill xmlns:a14="http://schemas.microsoft.com/office/drawing/2010/main" xmlns="">
                 <a:solidFill>
                   <a:srgbClr val="FFFFFF"/>
                 </a:solidFill>
               </a14:hiddenFill>
             </a:ext>
             <a:ext uri="{91240B29-F687-4f45-9708-019B960494DF}">
-              <a14:hiddenLine xmlns="" xmlns:a14="http://schemas.microsoft.com/office/drawing/2010/main" w="25400">
+              <a14:hiddenLine xmlns:a14="http://schemas.microsoft.com/office/drawing/2010/main" xmlns="" w="25400">
                 <a:solidFill>
                   <a:srgbClr val="000000"/>
                 </a:solidFill>
@@ -35932,14 +35971,14 @@
           </a:ln>
           <a:extLst>
             <a:ext uri="{909E8E84-426E-40dd-AFC4-6F175D3DCCD1}">
-              <a14:hiddenFill xmlns="" xmlns:a14="http://schemas.microsoft.com/office/drawing/2010/main">
+              <a14:hiddenFill xmlns:a14="http://schemas.microsoft.com/office/drawing/2010/main" xmlns="">
                 <a:solidFill>
                   <a:srgbClr val="FFFFFF"/>
                 </a:solidFill>
               </a14:hiddenFill>
             </a:ext>
             <a:ext uri="{91240B29-F687-4f45-9708-019B960494DF}">
-              <a14:hiddenLine xmlns="" xmlns:a14="http://schemas.microsoft.com/office/drawing/2010/main" w="25400">
+              <a14:hiddenLine xmlns:a14="http://schemas.microsoft.com/office/drawing/2010/main" xmlns="" w="25400">
                 <a:solidFill>
                   <a:srgbClr val="000000"/>
                 </a:solidFill>
@@ -36111,7 +36150,7 @@
           </a:ln>
           <a:extLst>
             <a:ext uri="{909E8E84-426E-40dd-AFC4-6F175D3DCCD1}">
-              <a14:hiddenFill xmlns="" xmlns:a14="http://schemas.microsoft.com/office/drawing/2010/main">
+              <a14:hiddenFill xmlns:a14="http://schemas.microsoft.com/office/drawing/2010/main" xmlns="">
                 <a:noFill/>
               </a14:hiddenFill>
             </a:ext>
@@ -36168,7 +36207,7 @@
             </a:ln>
             <a:extLst>
               <a:ext uri="{909E8E84-426E-40dd-AFC4-6F175D3DCCD1}">
-                <a14:hiddenFill xmlns="" xmlns:a14="http://schemas.microsoft.com/office/drawing/2010/main">
+                <a14:hiddenFill xmlns:a14="http://schemas.microsoft.com/office/drawing/2010/main" xmlns="">
                   <a:noFill/>
                 </a14:hiddenFill>
               </a:ext>
@@ -36208,14 +36247,14 @@
             </a:ln>
             <a:extLst>
               <a:ext uri="{909E8E84-426E-40dd-AFC4-6F175D3DCCD1}">
-                <a14:hiddenFill xmlns="" xmlns:a14="http://schemas.microsoft.com/office/drawing/2010/main">
+                <a14:hiddenFill xmlns:a14="http://schemas.microsoft.com/office/drawing/2010/main" xmlns="">
                   <a:solidFill>
                     <a:srgbClr val="FFFFFF"/>
                   </a:solidFill>
                 </a14:hiddenFill>
               </a:ext>
               <a:ext uri="{91240B29-F687-4f45-9708-019B960494DF}">
-                <a14:hiddenLine xmlns="" xmlns:a14="http://schemas.microsoft.com/office/drawing/2010/main" w="25400">
+                <a14:hiddenLine xmlns:a14="http://schemas.microsoft.com/office/drawing/2010/main" xmlns="" w="25400">
                   <a:solidFill>
                     <a:srgbClr val="000000"/>
                   </a:solidFill>
@@ -36404,7 +36443,7 @@
             </a:ln>
             <a:extLst>
               <a:ext uri="{909E8E84-426E-40dd-AFC4-6F175D3DCCD1}">
-                <a14:hiddenFill xmlns="" xmlns:a14="http://schemas.microsoft.com/office/drawing/2010/main">
+                <a14:hiddenFill xmlns:a14="http://schemas.microsoft.com/office/drawing/2010/main" xmlns="">
                   <a:noFill/>
                 </a14:hiddenFill>
               </a:ext>
@@ -36444,14 +36483,14 @@
             </a:ln>
             <a:extLst>
               <a:ext uri="{909E8E84-426E-40dd-AFC4-6F175D3DCCD1}">
-                <a14:hiddenFill xmlns="" xmlns:a14="http://schemas.microsoft.com/office/drawing/2010/main">
+                <a14:hiddenFill xmlns:a14="http://schemas.microsoft.com/office/drawing/2010/main" xmlns="">
                   <a:solidFill>
                     <a:srgbClr val="FFFFFF"/>
                   </a:solidFill>
                 </a14:hiddenFill>
               </a:ext>
               <a:ext uri="{91240B29-F687-4f45-9708-019B960494DF}">
-                <a14:hiddenLine xmlns="" xmlns:a14="http://schemas.microsoft.com/office/drawing/2010/main" w="25400">
+                <a14:hiddenLine xmlns:a14="http://schemas.microsoft.com/office/drawing/2010/main" xmlns="" w="25400">
                   <a:solidFill>
                     <a:srgbClr val="000000"/>
                   </a:solidFill>
@@ -36640,7 +36679,7 @@
             </a:ln>
             <a:extLst>
               <a:ext uri="{909E8E84-426E-40dd-AFC4-6F175D3DCCD1}">
-                <a14:hiddenFill xmlns="" xmlns:a14="http://schemas.microsoft.com/office/drawing/2010/main">
+                <a14:hiddenFill xmlns:a14="http://schemas.microsoft.com/office/drawing/2010/main" xmlns="">
                   <a:noFill/>
                 </a14:hiddenFill>
               </a:ext>
@@ -36680,14 +36719,14 @@
             </a:ln>
             <a:extLst>
               <a:ext uri="{909E8E84-426E-40dd-AFC4-6F175D3DCCD1}">
-                <a14:hiddenFill xmlns="" xmlns:a14="http://schemas.microsoft.com/office/drawing/2010/main">
+                <a14:hiddenFill xmlns:a14="http://schemas.microsoft.com/office/drawing/2010/main" xmlns="">
                   <a:solidFill>
                     <a:srgbClr val="FFFFFF"/>
                   </a:solidFill>
                 </a14:hiddenFill>
               </a:ext>
               <a:ext uri="{91240B29-F687-4f45-9708-019B960494DF}">
-                <a14:hiddenLine xmlns="" xmlns:a14="http://schemas.microsoft.com/office/drawing/2010/main" w="25400">
+                <a14:hiddenLine xmlns:a14="http://schemas.microsoft.com/office/drawing/2010/main" xmlns="" w="25400">
                   <a:solidFill>
                     <a:srgbClr val="000000"/>
                   </a:solidFill>
@@ -36855,14 +36894,14 @@
           </a:ln>
           <a:extLst>
             <a:ext uri="{909E8E84-426E-40dd-AFC4-6F175D3DCCD1}">
-              <a14:hiddenFill xmlns="" xmlns:a14="http://schemas.microsoft.com/office/drawing/2010/main">
+              <a14:hiddenFill xmlns:a14="http://schemas.microsoft.com/office/drawing/2010/main" xmlns="">
                 <a:solidFill>
                   <a:srgbClr val="FFFFFF"/>
                 </a:solidFill>
               </a14:hiddenFill>
             </a:ext>
             <a:ext uri="{91240B29-F687-4f45-9708-019B960494DF}">
-              <a14:hiddenLine xmlns="" xmlns:a14="http://schemas.microsoft.com/office/drawing/2010/main" w="12700">
+              <a14:hiddenLine xmlns:a14="http://schemas.microsoft.com/office/drawing/2010/main" xmlns="" w="12700">
                 <a:solidFill>
                   <a:srgbClr val="000000"/>
                 </a:solidFill>
@@ -37029,14 +37068,14 @@
           </a:ln>
           <a:extLst>
             <a:ext uri="{909E8E84-426E-40dd-AFC4-6F175D3DCCD1}">
-              <a14:hiddenFill xmlns="" xmlns:a14="http://schemas.microsoft.com/office/drawing/2010/main">
+              <a14:hiddenFill xmlns:a14="http://schemas.microsoft.com/office/drawing/2010/main" xmlns="">
                 <a:solidFill>
                   <a:srgbClr val="FFFFFF"/>
                 </a:solidFill>
               </a14:hiddenFill>
             </a:ext>
             <a:ext uri="{91240B29-F687-4f45-9708-019B960494DF}">
-              <a14:hiddenLine xmlns="" xmlns:a14="http://schemas.microsoft.com/office/drawing/2010/main" w="12700">
+              <a14:hiddenLine xmlns:a14="http://schemas.microsoft.com/office/drawing/2010/main" xmlns="" w="12700">
                 <a:solidFill>
                   <a:srgbClr val="000000"/>
                 </a:solidFill>
@@ -37248,7 +37287,7 @@
             </a:ln>
             <a:extLst>
               <a:ext uri="{909E8E84-426E-40dd-AFC4-6F175D3DCCD1}">
-                <a14:hiddenFill xmlns="" xmlns:a14="http://schemas.microsoft.com/office/drawing/2010/main">
+                <a14:hiddenFill xmlns:a14="http://schemas.microsoft.com/office/drawing/2010/main" xmlns="">
                   <a:noFill/>
                 </a14:hiddenFill>
               </a:ext>
@@ -37284,14 +37323,14 @@
             </a:ln>
             <a:extLst>
               <a:ext uri="{909E8E84-426E-40dd-AFC4-6F175D3DCCD1}">
-                <a14:hiddenFill xmlns="" xmlns:a14="http://schemas.microsoft.com/office/drawing/2010/main">
+                <a14:hiddenFill xmlns:a14="http://schemas.microsoft.com/office/drawing/2010/main" xmlns="">
                   <a:solidFill>
                     <a:srgbClr val="FFFFFF"/>
                   </a:solidFill>
                 </a14:hiddenFill>
               </a:ext>
               <a:ext uri="{91240B29-F687-4f45-9708-019B960494DF}">
-                <a14:hiddenLine xmlns="" xmlns:a14="http://schemas.microsoft.com/office/drawing/2010/main" w="25400">
+                <a14:hiddenLine xmlns:a14="http://schemas.microsoft.com/office/drawing/2010/main" xmlns="" w="25400">
                   <a:solidFill>
                     <a:srgbClr val="000000"/>
                   </a:solidFill>
@@ -37513,7 +37552,7 @@
             </a:ln>
             <a:extLst>
               <a:ext uri="{909E8E84-426E-40dd-AFC4-6F175D3DCCD1}">
-                <a14:hiddenFill xmlns="" xmlns:a14="http://schemas.microsoft.com/office/drawing/2010/main">
+                <a14:hiddenFill xmlns:a14="http://schemas.microsoft.com/office/drawing/2010/main" xmlns="">
                   <a:noFill/>
                 </a14:hiddenFill>
               </a:ext>
@@ -37553,14 +37592,14 @@
             </a:ln>
             <a:extLst>
               <a:ext uri="{909E8E84-426E-40dd-AFC4-6F175D3DCCD1}">
-                <a14:hiddenFill xmlns="" xmlns:a14="http://schemas.microsoft.com/office/drawing/2010/main">
+                <a14:hiddenFill xmlns:a14="http://schemas.microsoft.com/office/drawing/2010/main" xmlns="">
                   <a:solidFill>
                     <a:srgbClr val="FFFFFF"/>
                   </a:solidFill>
                 </a14:hiddenFill>
               </a:ext>
               <a:ext uri="{91240B29-F687-4f45-9708-019B960494DF}">
-                <a14:hiddenLine xmlns="" xmlns:a14="http://schemas.microsoft.com/office/drawing/2010/main" w="25400">
+                <a14:hiddenLine xmlns:a14="http://schemas.microsoft.com/office/drawing/2010/main" xmlns="" w="25400">
                   <a:solidFill>
                     <a:srgbClr val="000000"/>
                   </a:solidFill>
@@ -38226,7 +38265,7 @@
           </a:ln>
           <a:extLst>
             <a:ext uri="{909E8E84-426E-40dd-AFC4-6F175D3DCCD1}">
-              <a14:hiddenFill xmlns="" xmlns:a14="http://schemas.microsoft.com/office/drawing/2010/main">
+              <a14:hiddenFill xmlns:a14="http://schemas.microsoft.com/office/drawing/2010/main" xmlns="">
                 <a:noFill/>
               </a14:hiddenFill>
             </a:ext>
@@ -38267,7 +38306,7 @@
           </a:ln>
           <a:extLst>
             <a:ext uri="{909E8E84-426E-40dd-AFC4-6F175D3DCCD1}">
-              <a14:hiddenFill xmlns="" xmlns:a14="http://schemas.microsoft.com/office/drawing/2010/main">
+              <a14:hiddenFill xmlns:a14="http://schemas.microsoft.com/office/drawing/2010/main" xmlns="">
                 <a:noFill/>
               </a14:hiddenFill>
             </a:ext>
@@ -38308,7 +38347,7 @@
           </a:ln>
           <a:extLst>
             <a:ext uri="{909E8E84-426E-40dd-AFC4-6F175D3DCCD1}">
-              <a14:hiddenFill xmlns="" xmlns:a14="http://schemas.microsoft.com/office/drawing/2010/main">
+              <a14:hiddenFill xmlns:a14="http://schemas.microsoft.com/office/drawing/2010/main" xmlns="">
                 <a:noFill/>
               </a14:hiddenFill>
             </a:ext>
@@ -38349,7 +38388,7 @@
           </a:ln>
           <a:extLst>
             <a:ext uri="{909E8E84-426E-40dd-AFC4-6F175D3DCCD1}">
-              <a14:hiddenFill xmlns="" xmlns:a14="http://schemas.microsoft.com/office/drawing/2010/main">
+              <a14:hiddenFill xmlns:a14="http://schemas.microsoft.com/office/drawing/2010/main" xmlns="">
                 <a:noFill/>
               </a14:hiddenFill>
             </a:ext>
@@ -38385,14 +38424,14 @@
           </a:ln>
           <a:extLst>
             <a:ext uri="{909E8E84-426E-40dd-AFC4-6F175D3DCCD1}">
-              <a14:hiddenFill xmlns="" xmlns:a14="http://schemas.microsoft.com/office/drawing/2010/main">
+              <a14:hiddenFill xmlns:a14="http://schemas.microsoft.com/office/drawing/2010/main" xmlns="">
                 <a:solidFill>
                   <a:srgbClr val="FFFFFF"/>
                 </a:solidFill>
               </a14:hiddenFill>
             </a:ext>
             <a:ext uri="{91240B29-F687-4f45-9708-019B960494DF}">
-              <a14:hiddenLine xmlns="" xmlns:a14="http://schemas.microsoft.com/office/drawing/2010/main" w="9525">
+              <a14:hiddenLine xmlns:a14="http://schemas.microsoft.com/office/drawing/2010/main" xmlns="" w="9525">
                 <a:solidFill>
                   <a:srgbClr val="000000"/>
                 </a:solidFill>
@@ -38556,14 +38595,14 @@
           </a:ln>
           <a:extLst>
             <a:ext uri="{909E8E84-426E-40dd-AFC4-6F175D3DCCD1}">
-              <a14:hiddenFill xmlns="" xmlns:a14="http://schemas.microsoft.com/office/drawing/2010/main">
+              <a14:hiddenFill xmlns:a14="http://schemas.microsoft.com/office/drawing/2010/main" xmlns="">
                 <a:solidFill>
                   <a:srgbClr val="FFFFFF"/>
                 </a:solidFill>
               </a14:hiddenFill>
             </a:ext>
             <a:ext uri="{91240B29-F687-4f45-9708-019B960494DF}">
-              <a14:hiddenLine xmlns="" xmlns:a14="http://schemas.microsoft.com/office/drawing/2010/main" w="9525">
+              <a14:hiddenLine xmlns:a14="http://schemas.microsoft.com/office/drawing/2010/main" xmlns="" w="9525">
                 <a:solidFill>
                   <a:srgbClr val="000000"/>
                 </a:solidFill>
@@ -38727,14 +38766,14 @@
           </a:ln>
           <a:extLst>
             <a:ext uri="{909E8E84-426E-40dd-AFC4-6F175D3DCCD1}">
-              <a14:hiddenFill xmlns="" xmlns:a14="http://schemas.microsoft.com/office/drawing/2010/main">
+              <a14:hiddenFill xmlns:a14="http://schemas.microsoft.com/office/drawing/2010/main" xmlns="">
                 <a:solidFill>
                   <a:srgbClr val="FFFFFF"/>
                 </a:solidFill>
               </a14:hiddenFill>
             </a:ext>
             <a:ext uri="{91240B29-F687-4f45-9708-019B960494DF}">
-              <a14:hiddenLine xmlns="" xmlns:a14="http://schemas.microsoft.com/office/drawing/2010/main" w="9525">
+              <a14:hiddenLine xmlns:a14="http://schemas.microsoft.com/office/drawing/2010/main" xmlns="" w="9525">
                 <a:solidFill>
                   <a:srgbClr val="000000"/>
                 </a:solidFill>
@@ -38898,14 +38937,14 @@
           </a:ln>
           <a:extLst>
             <a:ext uri="{909E8E84-426E-40dd-AFC4-6F175D3DCCD1}">
-              <a14:hiddenFill xmlns="" xmlns:a14="http://schemas.microsoft.com/office/drawing/2010/main">
+              <a14:hiddenFill xmlns:a14="http://schemas.microsoft.com/office/drawing/2010/main" xmlns="">
                 <a:solidFill>
                   <a:srgbClr val="FFFFFF"/>
                 </a:solidFill>
               </a14:hiddenFill>
             </a:ext>
             <a:ext uri="{91240B29-F687-4f45-9708-019B960494DF}">
-              <a14:hiddenLine xmlns="" xmlns:a14="http://schemas.microsoft.com/office/drawing/2010/main" w="9525">
+              <a14:hiddenLine xmlns:a14="http://schemas.microsoft.com/office/drawing/2010/main" xmlns="" w="9525">
                 <a:solidFill>
                   <a:srgbClr val="000000"/>
                 </a:solidFill>
@@ -39090,7 +39129,7 @@
             </a:ln>
             <a:extLst>
               <a:ext uri="{909E8E84-426E-40dd-AFC4-6F175D3DCCD1}">
-                <a14:hiddenFill xmlns="" xmlns:a14="http://schemas.microsoft.com/office/drawing/2010/main">
+                <a14:hiddenFill xmlns:a14="http://schemas.microsoft.com/office/drawing/2010/main" xmlns="">
                   <a:noFill/>
                 </a14:hiddenFill>
               </a:ext>
@@ -39126,14 +39165,14 @@
             </a:ln>
             <a:extLst>
               <a:ext uri="{909E8E84-426E-40dd-AFC4-6F175D3DCCD1}">
-                <a14:hiddenFill xmlns="" xmlns:a14="http://schemas.microsoft.com/office/drawing/2010/main">
+                <a14:hiddenFill xmlns:a14="http://schemas.microsoft.com/office/drawing/2010/main" xmlns="">
                   <a:solidFill>
                     <a:srgbClr val="FFFFFF"/>
                   </a:solidFill>
                 </a14:hiddenFill>
               </a:ext>
               <a:ext uri="{91240B29-F687-4f45-9708-019B960494DF}">
-                <a14:hiddenLine xmlns="" xmlns:a14="http://schemas.microsoft.com/office/drawing/2010/main" w="9525">
+                <a14:hiddenLine xmlns:a14="http://schemas.microsoft.com/office/drawing/2010/main" xmlns="" w="9525">
                   <a:solidFill>
                     <a:srgbClr val="000000"/>
                   </a:solidFill>
@@ -39303,7 +39342,7 @@
           </a:ln>
           <a:extLst>
             <a:ext uri="{909E8E84-426E-40dd-AFC4-6F175D3DCCD1}">
-              <a14:hiddenFill xmlns="" xmlns:a14="http://schemas.microsoft.com/office/drawing/2010/main">
+              <a14:hiddenFill xmlns:a14="http://schemas.microsoft.com/office/drawing/2010/main" xmlns="">
                 <a:noFill/>
               </a14:hiddenFill>
             </a:ext>
@@ -39344,7 +39383,7 @@
           </a:ln>
           <a:extLst>
             <a:ext uri="{909E8E84-426E-40dd-AFC4-6F175D3DCCD1}">
-              <a14:hiddenFill xmlns="" xmlns:a14="http://schemas.microsoft.com/office/drawing/2010/main">
+              <a14:hiddenFill xmlns:a14="http://schemas.microsoft.com/office/drawing/2010/main" xmlns="">
                 <a:noFill/>
               </a14:hiddenFill>
             </a:ext>
@@ -39385,7 +39424,7 @@
           </a:ln>
           <a:extLst>
             <a:ext uri="{909E8E84-426E-40dd-AFC4-6F175D3DCCD1}">
-              <a14:hiddenFill xmlns="" xmlns:a14="http://schemas.microsoft.com/office/drawing/2010/main">
+              <a14:hiddenFill xmlns:a14="http://schemas.microsoft.com/office/drawing/2010/main" xmlns="">
                 <a:noFill/>
               </a14:hiddenFill>
             </a:ext>
@@ -39421,14 +39460,14 @@
           </a:ln>
           <a:extLst>
             <a:ext uri="{909E8E84-426E-40dd-AFC4-6F175D3DCCD1}">
-              <a14:hiddenFill xmlns="" xmlns:a14="http://schemas.microsoft.com/office/drawing/2010/main">
+              <a14:hiddenFill xmlns:a14="http://schemas.microsoft.com/office/drawing/2010/main" xmlns="">
                 <a:solidFill>
                   <a:srgbClr val="FFFFFF"/>
                 </a:solidFill>
               </a14:hiddenFill>
             </a:ext>
             <a:ext uri="{91240B29-F687-4f45-9708-019B960494DF}">
-              <a14:hiddenLine xmlns="" xmlns:a14="http://schemas.microsoft.com/office/drawing/2010/main" w="9525">
+              <a14:hiddenLine xmlns:a14="http://schemas.microsoft.com/office/drawing/2010/main" xmlns="" w="9525">
                 <a:solidFill>
                   <a:srgbClr val="000000"/>
                 </a:solidFill>
@@ -39597,7 +39636,7 @@
           </a:ln>
           <a:extLst>
             <a:ext uri="{909E8E84-426E-40dd-AFC4-6F175D3DCCD1}">
-              <a14:hiddenFill xmlns="" xmlns:a14="http://schemas.microsoft.com/office/drawing/2010/main">
+              <a14:hiddenFill xmlns:a14="http://schemas.microsoft.com/office/drawing/2010/main" xmlns="">
                 <a:noFill/>
               </a14:hiddenFill>
             </a:ext>
@@ -39633,14 +39672,14 @@
           </a:ln>
           <a:extLst>
             <a:ext uri="{909E8E84-426E-40dd-AFC4-6F175D3DCCD1}">
-              <a14:hiddenFill xmlns="" xmlns:a14="http://schemas.microsoft.com/office/drawing/2010/main">
+              <a14:hiddenFill xmlns:a14="http://schemas.microsoft.com/office/drawing/2010/main" xmlns="">
                 <a:solidFill>
                   <a:srgbClr val="FFFFFF"/>
                 </a:solidFill>
               </a14:hiddenFill>
             </a:ext>
             <a:ext uri="{91240B29-F687-4f45-9708-019B960494DF}">
-              <a14:hiddenLine xmlns="" xmlns:a14="http://schemas.microsoft.com/office/drawing/2010/main" w="9525">
+              <a14:hiddenLine xmlns:a14="http://schemas.microsoft.com/office/drawing/2010/main" xmlns="" w="9525">
                 <a:solidFill>
                   <a:srgbClr val="000000"/>
                 </a:solidFill>
@@ -39807,14 +39846,14 @@
           </a:ln>
           <a:extLst>
             <a:ext uri="{909E8E84-426E-40dd-AFC4-6F175D3DCCD1}">
-              <a14:hiddenFill xmlns="" xmlns:a14="http://schemas.microsoft.com/office/drawing/2010/main">
+              <a14:hiddenFill xmlns:a14="http://schemas.microsoft.com/office/drawing/2010/main" xmlns="">
                 <a:solidFill>
                   <a:srgbClr val="FFFFFF"/>
                 </a:solidFill>
               </a14:hiddenFill>
             </a:ext>
             <a:ext uri="{91240B29-F687-4f45-9708-019B960494DF}">
-              <a14:hiddenLine xmlns="" xmlns:a14="http://schemas.microsoft.com/office/drawing/2010/main" w="9525">
+              <a14:hiddenLine xmlns:a14="http://schemas.microsoft.com/office/drawing/2010/main" xmlns="" w="9525">
                 <a:solidFill>
                   <a:srgbClr val="000000"/>
                 </a:solidFill>
@@ -39978,14 +40017,14 @@
           </a:ln>
           <a:extLst>
             <a:ext uri="{909E8E84-426E-40dd-AFC4-6F175D3DCCD1}">
-              <a14:hiddenFill xmlns="" xmlns:a14="http://schemas.microsoft.com/office/drawing/2010/main">
+              <a14:hiddenFill xmlns:a14="http://schemas.microsoft.com/office/drawing/2010/main" xmlns="">
                 <a:solidFill>
                   <a:srgbClr val="FFFFFF"/>
                 </a:solidFill>
               </a14:hiddenFill>
             </a:ext>
             <a:ext uri="{91240B29-F687-4f45-9708-019B960494DF}">
-              <a14:hiddenLine xmlns="" xmlns:a14="http://schemas.microsoft.com/office/drawing/2010/main" w="9525">
+              <a14:hiddenLine xmlns:a14="http://schemas.microsoft.com/office/drawing/2010/main" xmlns="" w="9525">
                 <a:solidFill>
                   <a:srgbClr val="000000"/>
                 </a:solidFill>
